--- a/labmanual/Drawings/bleintro.pptx
+++ b/labmanual/Drawings/bleintro.pptx
@@ -200,7 +200,7 @@
           <a:p>
             <a:fld id="{5C78E9C7-9CA3-A64A-B46C-6E620848F682}" type="datetimeFigureOut">
               <a:rPr lang="en-US" smtClean="0"/>
-              <a:t>5/24/18</a:t>
+              <a:t>6/4/2018</a:t>
             </a:fld>
             <a:endParaRPr lang="en-US"/>
           </a:p>
@@ -264,38 +264,37 @@
           <a:p>
             <a:pPr lvl="0"/>
             <a:r>
-              <a:rPr lang="en-US" smtClean="0"/>
+              <a:rPr lang="en-US"/>
               <a:t>Click to edit Master text styles</a:t>
             </a:r>
           </a:p>
           <a:p>
             <a:pPr lvl="1"/>
             <a:r>
-              <a:rPr lang="en-US" smtClean="0"/>
+              <a:rPr lang="en-US"/>
               <a:t>Second level</a:t>
             </a:r>
           </a:p>
           <a:p>
             <a:pPr lvl="2"/>
             <a:r>
-              <a:rPr lang="en-US" smtClean="0"/>
+              <a:rPr lang="en-US"/>
               <a:t>Third level</a:t>
             </a:r>
           </a:p>
           <a:p>
             <a:pPr lvl="3"/>
             <a:r>
-              <a:rPr lang="en-US" smtClean="0"/>
+              <a:rPr lang="en-US"/>
               <a:t>Fourth level</a:t>
             </a:r>
           </a:p>
           <a:p>
             <a:pPr lvl="4"/>
             <a:r>
-              <a:rPr lang="en-US" smtClean="0"/>
+              <a:rPr lang="en-US"/>
               <a:t>Fifth level</a:t>
             </a:r>
-            <a:endParaRPr lang="en-US"/>
           </a:p>
         </p:txBody>
       </p:sp>
@@ -510,7 +509,7 @@
           </a:lstStyle>
           <a:p>
             <a:r>
-              <a:rPr lang="en-US" smtClean="0"/>
+              <a:rPr lang="en-US"/>
               <a:t>Click to edit Master title style</a:t>
             </a:r>
             <a:endParaRPr lang="en-US" dirty="0"/>
@@ -575,7 +574,7 @@
           </a:lstStyle>
           <a:p>
             <a:r>
-              <a:rPr lang="en-US" smtClean="0"/>
+              <a:rPr lang="en-US"/>
               <a:t>Click to edit Master subtitle style</a:t>
             </a:r>
             <a:endParaRPr lang="en-US" dirty="0"/>
@@ -599,7 +598,7 @@
           <a:p>
             <a:fld id="{FB5F2AB9-D88E-BD44-B295-056A7213B648}" type="datetimeFigureOut">
               <a:rPr lang="en-US" smtClean="0"/>
-              <a:t>5/24/18</a:t>
+              <a:t>6/4/2018</a:t>
             </a:fld>
             <a:endParaRPr lang="en-US"/>
           </a:p>
@@ -688,7 +687,7 @@
           <a:lstStyle/>
           <a:p>
             <a:r>
-              <a:rPr lang="en-US" smtClean="0"/>
+              <a:rPr lang="en-US"/>
               <a:t>Click to edit Master title style</a:t>
             </a:r>
             <a:endParaRPr lang="en-US" dirty="0"/>
@@ -712,35 +711,35 @@
           <a:p>
             <a:pPr lvl="0"/>
             <a:r>
-              <a:rPr lang="en-US" smtClean="0"/>
+              <a:rPr lang="en-US"/>
               <a:t>Click to edit Master text styles</a:t>
             </a:r>
           </a:p>
           <a:p>
             <a:pPr lvl="1"/>
             <a:r>
-              <a:rPr lang="en-US" smtClean="0"/>
+              <a:rPr lang="en-US"/>
               <a:t>Second level</a:t>
             </a:r>
           </a:p>
           <a:p>
             <a:pPr lvl="2"/>
             <a:r>
-              <a:rPr lang="en-US" smtClean="0"/>
+              <a:rPr lang="en-US"/>
               <a:t>Third level</a:t>
             </a:r>
           </a:p>
           <a:p>
             <a:pPr lvl="3"/>
             <a:r>
-              <a:rPr lang="en-US" smtClean="0"/>
+              <a:rPr lang="en-US"/>
               <a:t>Fourth level</a:t>
             </a:r>
           </a:p>
           <a:p>
             <a:pPr lvl="4"/>
             <a:r>
-              <a:rPr lang="en-US" smtClean="0"/>
+              <a:rPr lang="en-US"/>
               <a:t>Fifth level</a:t>
             </a:r>
             <a:endParaRPr lang="en-US" dirty="0"/>
@@ -764,7 +763,7 @@
           <a:p>
             <a:fld id="{FB5F2AB9-D88E-BD44-B295-056A7213B648}" type="datetimeFigureOut">
               <a:rPr lang="en-US" smtClean="0"/>
-              <a:t>5/24/18</a:t>
+              <a:t>6/4/2018</a:t>
             </a:fld>
             <a:endParaRPr lang="en-US"/>
           </a:p>
@@ -858,7 +857,7 @@
           <a:lstStyle/>
           <a:p>
             <a:r>
-              <a:rPr lang="en-US" smtClean="0"/>
+              <a:rPr lang="en-US"/>
               <a:t>Click to edit Master title style</a:t>
             </a:r>
             <a:endParaRPr lang="en-US" dirty="0"/>
@@ -887,35 +886,35 @@
           <a:p>
             <a:pPr lvl="0"/>
             <a:r>
-              <a:rPr lang="en-US" smtClean="0"/>
+              <a:rPr lang="en-US"/>
               <a:t>Click to edit Master text styles</a:t>
             </a:r>
           </a:p>
           <a:p>
             <a:pPr lvl="1"/>
             <a:r>
-              <a:rPr lang="en-US" smtClean="0"/>
+              <a:rPr lang="en-US"/>
               <a:t>Second level</a:t>
             </a:r>
           </a:p>
           <a:p>
             <a:pPr lvl="2"/>
             <a:r>
-              <a:rPr lang="en-US" smtClean="0"/>
+              <a:rPr lang="en-US"/>
               <a:t>Third level</a:t>
             </a:r>
           </a:p>
           <a:p>
             <a:pPr lvl="3"/>
             <a:r>
-              <a:rPr lang="en-US" smtClean="0"/>
+              <a:rPr lang="en-US"/>
               <a:t>Fourth level</a:t>
             </a:r>
           </a:p>
           <a:p>
             <a:pPr lvl="4"/>
             <a:r>
-              <a:rPr lang="en-US" smtClean="0"/>
+              <a:rPr lang="en-US"/>
               <a:t>Fifth level</a:t>
             </a:r>
             <a:endParaRPr lang="en-US" dirty="0"/>
@@ -939,7 +938,7 @@
           <a:p>
             <a:fld id="{FB5F2AB9-D88E-BD44-B295-056A7213B648}" type="datetimeFigureOut">
               <a:rPr lang="en-US" smtClean="0"/>
-              <a:t>5/24/18</a:t>
+              <a:t>6/4/2018</a:t>
             </a:fld>
             <a:endParaRPr lang="en-US"/>
           </a:p>
@@ -1028,7 +1027,7 @@
           <a:lstStyle/>
           <a:p>
             <a:r>
-              <a:rPr lang="en-US" smtClean="0"/>
+              <a:rPr lang="en-US"/>
               <a:t>Click to edit Master title style</a:t>
             </a:r>
             <a:endParaRPr lang="en-US" dirty="0"/>
@@ -1052,35 +1051,35 @@
           <a:p>
             <a:pPr lvl="0"/>
             <a:r>
-              <a:rPr lang="en-US" smtClean="0"/>
+              <a:rPr lang="en-US"/>
               <a:t>Click to edit Master text styles</a:t>
             </a:r>
           </a:p>
           <a:p>
             <a:pPr lvl="1"/>
             <a:r>
-              <a:rPr lang="en-US" smtClean="0"/>
+              <a:rPr lang="en-US"/>
               <a:t>Second level</a:t>
             </a:r>
           </a:p>
           <a:p>
             <a:pPr lvl="2"/>
             <a:r>
-              <a:rPr lang="en-US" smtClean="0"/>
+              <a:rPr lang="en-US"/>
               <a:t>Third level</a:t>
             </a:r>
           </a:p>
           <a:p>
             <a:pPr lvl="3"/>
             <a:r>
-              <a:rPr lang="en-US" smtClean="0"/>
+              <a:rPr lang="en-US"/>
               <a:t>Fourth level</a:t>
             </a:r>
           </a:p>
           <a:p>
             <a:pPr lvl="4"/>
             <a:r>
-              <a:rPr lang="en-US" smtClean="0"/>
+              <a:rPr lang="en-US"/>
               <a:t>Fifth level</a:t>
             </a:r>
             <a:endParaRPr lang="en-US" dirty="0"/>
@@ -1104,7 +1103,7 @@
           <a:p>
             <a:fld id="{FB5F2AB9-D88E-BD44-B295-056A7213B648}" type="datetimeFigureOut">
               <a:rPr lang="en-US" smtClean="0"/>
-              <a:t>5/24/18</a:t>
+              <a:t>6/4/2018</a:t>
             </a:fld>
             <a:endParaRPr lang="en-US"/>
           </a:p>
@@ -1202,7 +1201,7 @@
           </a:lstStyle>
           <a:p>
             <a:r>
-              <a:rPr lang="en-US" smtClean="0"/>
+              <a:rPr lang="en-US"/>
               <a:t>Click to edit Master title style</a:t>
             </a:r>
             <a:endParaRPr lang="en-US" dirty="0"/>
@@ -1320,7 +1319,7 @@
           <a:p>
             <a:pPr lvl="0"/>
             <a:r>
-              <a:rPr lang="en-US" smtClean="0"/>
+              <a:rPr lang="en-US"/>
               <a:t>Click to edit Master text styles</a:t>
             </a:r>
           </a:p>
@@ -1343,7 +1342,7 @@
           <a:p>
             <a:fld id="{FB5F2AB9-D88E-BD44-B295-056A7213B648}" type="datetimeFigureOut">
               <a:rPr lang="en-US" smtClean="0"/>
-              <a:t>5/24/18</a:t>
+              <a:t>6/4/2018</a:t>
             </a:fld>
             <a:endParaRPr lang="en-US"/>
           </a:p>
@@ -1432,7 +1431,7 @@
           <a:lstStyle/>
           <a:p>
             <a:r>
-              <a:rPr lang="en-US" smtClean="0"/>
+              <a:rPr lang="en-US"/>
               <a:t>Click to edit Master title style</a:t>
             </a:r>
             <a:endParaRPr lang="en-US" dirty="0"/>
@@ -1461,35 +1460,35 @@
           <a:p>
             <a:pPr lvl="0"/>
             <a:r>
-              <a:rPr lang="en-US" smtClean="0"/>
+              <a:rPr lang="en-US"/>
               <a:t>Click to edit Master text styles</a:t>
             </a:r>
           </a:p>
           <a:p>
             <a:pPr lvl="1"/>
             <a:r>
-              <a:rPr lang="en-US" smtClean="0"/>
+              <a:rPr lang="en-US"/>
               <a:t>Second level</a:t>
             </a:r>
           </a:p>
           <a:p>
             <a:pPr lvl="2"/>
             <a:r>
-              <a:rPr lang="en-US" smtClean="0"/>
+              <a:rPr lang="en-US"/>
               <a:t>Third level</a:t>
             </a:r>
           </a:p>
           <a:p>
             <a:pPr lvl="3"/>
             <a:r>
-              <a:rPr lang="en-US" smtClean="0"/>
+              <a:rPr lang="en-US"/>
               <a:t>Fourth level</a:t>
             </a:r>
           </a:p>
           <a:p>
             <a:pPr lvl="4"/>
             <a:r>
-              <a:rPr lang="en-US" smtClean="0"/>
+              <a:rPr lang="en-US"/>
               <a:t>Fifth level</a:t>
             </a:r>
             <a:endParaRPr lang="en-US" dirty="0"/>
@@ -1518,35 +1517,35 @@
           <a:p>
             <a:pPr lvl="0"/>
             <a:r>
-              <a:rPr lang="en-US" smtClean="0"/>
+              <a:rPr lang="en-US"/>
               <a:t>Click to edit Master text styles</a:t>
             </a:r>
           </a:p>
           <a:p>
             <a:pPr lvl="1"/>
             <a:r>
-              <a:rPr lang="en-US" smtClean="0"/>
+              <a:rPr lang="en-US"/>
               <a:t>Second level</a:t>
             </a:r>
           </a:p>
           <a:p>
             <a:pPr lvl="2"/>
             <a:r>
-              <a:rPr lang="en-US" smtClean="0"/>
+              <a:rPr lang="en-US"/>
               <a:t>Third level</a:t>
             </a:r>
           </a:p>
           <a:p>
             <a:pPr lvl="3"/>
             <a:r>
-              <a:rPr lang="en-US" smtClean="0"/>
+              <a:rPr lang="en-US"/>
               <a:t>Fourth level</a:t>
             </a:r>
           </a:p>
           <a:p>
             <a:pPr lvl="4"/>
             <a:r>
-              <a:rPr lang="en-US" smtClean="0"/>
+              <a:rPr lang="en-US"/>
               <a:t>Fifth level</a:t>
             </a:r>
             <a:endParaRPr lang="en-US" dirty="0"/>
@@ -1570,7 +1569,7 @@
           <a:p>
             <a:fld id="{FB5F2AB9-D88E-BD44-B295-056A7213B648}" type="datetimeFigureOut">
               <a:rPr lang="en-US" smtClean="0"/>
-              <a:t>5/24/18</a:t>
+              <a:t>6/4/2018</a:t>
             </a:fld>
             <a:endParaRPr lang="en-US"/>
           </a:p>
@@ -1664,7 +1663,7 @@
           <a:lstStyle/>
           <a:p>
             <a:r>
-              <a:rPr lang="en-US" smtClean="0"/>
+              <a:rPr lang="en-US"/>
               <a:t>Click to edit Master title style</a:t>
             </a:r>
             <a:endParaRPr lang="en-US" dirty="0"/>
@@ -1730,7 +1729,7 @@
           <a:p>
             <a:pPr lvl="0"/>
             <a:r>
-              <a:rPr lang="en-US" smtClean="0"/>
+              <a:rPr lang="en-US"/>
               <a:t>Click to edit Master text styles</a:t>
             </a:r>
           </a:p>
@@ -1758,35 +1757,35 @@
           <a:p>
             <a:pPr lvl="0"/>
             <a:r>
-              <a:rPr lang="en-US" smtClean="0"/>
+              <a:rPr lang="en-US"/>
               <a:t>Click to edit Master text styles</a:t>
             </a:r>
           </a:p>
           <a:p>
             <a:pPr lvl="1"/>
             <a:r>
-              <a:rPr lang="en-US" smtClean="0"/>
+              <a:rPr lang="en-US"/>
               <a:t>Second level</a:t>
             </a:r>
           </a:p>
           <a:p>
             <a:pPr lvl="2"/>
             <a:r>
-              <a:rPr lang="en-US" smtClean="0"/>
+              <a:rPr lang="en-US"/>
               <a:t>Third level</a:t>
             </a:r>
           </a:p>
           <a:p>
             <a:pPr lvl="3"/>
             <a:r>
-              <a:rPr lang="en-US" smtClean="0"/>
+              <a:rPr lang="en-US"/>
               <a:t>Fourth level</a:t>
             </a:r>
           </a:p>
           <a:p>
             <a:pPr lvl="4"/>
             <a:r>
-              <a:rPr lang="en-US" smtClean="0"/>
+              <a:rPr lang="en-US"/>
               <a:t>Fifth level</a:t>
             </a:r>
             <a:endParaRPr lang="en-US" dirty="0"/>
@@ -1852,7 +1851,7 @@
           <a:p>
             <a:pPr lvl="0"/>
             <a:r>
-              <a:rPr lang="en-US" smtClean="0"/>
+              <a:rPr lang="en-US"/>
               <a:t>Click to edit Master text styles</a:t>
             </a:r>
           </a:p>
@@ -1880,35 +1879,35 @@
           <a:p>
             <a:pPr lvl="0"/>
             <a:r>
-              <a:rPr lang="en-US" smtClean="0"/>
+              <a:rPr lang="en-US"/>
               <a:t>Click to edit Master text styles</a:t>
             </a:r>
           </a:p>
           <a:p>
             <a:pPr lvl="1"/>
             <a:r>
-              <a:rPr lang="en-US" smtClean="0"/>
+              <a:rPr lang="en-US"/>
               <a:t>Second level</a:t>
             </a:r>
           </a:p>
           <a:p>
             <a:pPr lvl="2"/>
             <a:r>
-              <a:rPr lang="en-US" smtClean="0"/>
+              <a:rPr lang="en-US"/>
               <a:t>Third level</a:t>
             </a:r>
           </a:p>
           <a:p>
             <a:pPr lvl="3"/>
             <a:r>
-              <a:rPr lang="en-US" smtClean="0"/>
+              <a:rPr lang="en-US"/>
               <a:t>Fourth level</a:t>
             </a:r>
           </a:p>
           <a:p>
             <a:pPr lvl="4"/>
             <a:r>
-              <a:rPr lang="en-US" smtClean="0"/>
+              <a:rPr lang="en-US"/>
               <a:t>Fifth level</a:t>
             </a:r>
             <a:endParaRPr lang="en-US" dirty="0"/>
@@ -1932,7 +1931,7 @@
           <a:p>
             <a:fld id="{FB5F2AB9-D88E-BD44-B295-056A7213B648}" type="datetimeFigureOut">
               <a:rPr lang="en-US" smtClean="0"/>
-              <a:t>5/24/18</a:t>
+              <a:t>6/4/2018</a:t>
             </a:fld>
             <a:endParaRPr lang="en-US"/>
           </a:p>
@@ -2021,7 +2020,7 @@
           <a:lstStyle/>
           <a:p>
             <a:r>
-              <a:rPr lang="en-US" smtClean="0"/>
+              <a:rPr lang="en-US"/>
               <a:t>Click to edit Master title style</a:t>
             </a:r>
             <a:endParaRPr lang="en-US" dirty="0"/>
@@ -2045,7 +2044,7 @@
           <a:p>
             <a:fld id="{FB5F2AB9-D88E-BD44-B295-056A7213B648}" type="datetimeFigureOut">
               <a:rPr lang="en-US" smtClean="0"/>
-              <a:t>5/24/18</a:t>
+              <a:t>6/4/2018</a:t>
             </a:fld>
             <a:endParaRPr lang="en-US"/>
           </a:p>
@@ -2135,7 +2134,7 @@
           <a:p>
             <a:fld id="{FB5F2AB9-D88E-BD44-B295-056A7213B648}" type="datetimeFigureOut">
               <a:rPr lang="en-US" smtClean="0"/>
-              <a:t>5/24/18</a:t>
+              <a:t>6/4/2018</a:t>
             </a:fld>
             <a:endParaRPr lang="en-US"/>
           </a:p>
@@ -2233,7 +2232,7 @@
           </a:lstStyle>
           <a:p>
             <a:r>
-              <a:rPr lang="en-US" smtClean="0"/>
+              <a:rPr lang="en-US"/>
               <a:t>Click to edit Master title style</a:t>
             </a:r>
             <a:endParaRPr lang="en-US" dirty="0"/>
@@ -2290,35 +2289,35 @@
           <a:p>
             <a:pPr lvl="0"/>
             <a:r>
-              <a:rPr lang="en-US" smtClean="0"/>
+              <a:rPr lang="en-US"/>
               <a:t>Click to edit Master text styles</a:t>
             </a:r>
           </a:p>
           <a:p>
             <a:pPr lvl="1"/>
             <a:r>
-              <a:rPr lang="en-US" smtClean="0"/>
+              <a:rPr lang="en-US"/>
               <a:t>Second level</a:t>
             </a:r>
           </a:p>
           <a:p>
             <a:pPr lvl="2"/>
             <a:r>
-              <a:rPr lang="en-US" smtClean="0"/>
+              <a:rPr lang="en-US"/>
               <a:t>Third level</a:t>
             </a:r>
           </a:p>
           <a:p>
             <a:pPr lvl="3"/>
             <a:r>
-              <a:rPr lang="en-US" smtClean="0"/>
+              <a:rPr lang="en-US"/>
               <a:t>Fourth level</a:t>
             </a:r>
           </a:p>
           <a:p>
             <a:pPr lvl="4"/>
             <a:r>
-              <a:rPr lang="en-US" smtClean="0"/>
+              <a:rPr lang="en-US"/>
               <a:t>Fifth level</a:t>
             </a:r>
             <a:endParaRPr lang="en-US" dirty="0"/>
@@ -2384,7 +2383,7 @@
           <a:p>
             <a:pPr lvl="0"/>
             <a:r>
-              <a:rPr lang="en-US" smtClean="0"/>
+              <a:rPr lang="en-US"/>
               <a:t>Click to edit Master text styles</a:t>
             </a:r>
           </a:p>
@@ -2407,7 +2406,7 @@
           <a:p>
             <a:fld id="{FB5F2AB9-D88E-BD44-B295-056A7213B648}" type="datetimeFigureOut">
               <a:rPr lang="en-US" smtClean="0"/>
-              <a:t>5/24/18</a:t>
+              <a:t>6/4/2018</a:t>
             </a:fld>
             <a:endParaRPr lang="en-US"/>
           </a:p>
@@ -2505,7 +2504,7 @@
           </a:lstStyle>
           <a:p>
             <a:r>
-              <a:rPr lang="en-US" smtClean="0"/>
+              <a:rPr lang="en-US"/>
               <a:t>Click to edit Master title style</a:t>
             </a:r>
             <a:endParaRPr lang="en-US" dirty="0"/>
@@ -2570,7 +2569,7 @@
           </a:lstStyle>
           <a:p>
             <a:r>
-              <a:rPr lang="en-US" smtClean="0"/>
+              <a:rPr lang="en-US"/>
               <a:t>Drag picture to placeholder or click icon to add</a:t>
             </a:r>
             <a:endParaRPr lang="en-US" dirty="0"/>
@@ -2636,7 +2635,7 @@
           <a:p>
             <a:pPr lvl="0"/>
             <a:r>
-              <a:rPr lang="en-US" smtClean="0"/>
+              <a:rPr lang="en-US"/>
               <a:t>Click to edit Master text styles</a:t>
             </a:r>
           </a:p>
@@ -2659,7 +2658,7 @@
           <a:p>
             <a:fld id="{FB5F2AB9-D88E-BD44-B295-056A7213B648}" type="datetimeFigureOut">
               <a:rPr lang="en-US" smtClean="0"/>
-              <a:t>5/24/18</a:t>
+              <a:t>6/4/2018</a:t>
             </a:fld>
             <a:endParaRPr lang="en-US"/>
           </a:p>
@@ -2763,7 +2762,7 @@
           <a:lstStyle/>
           <a:p>
             <a:r>
-              <a:rPr lang="en-US" smtClean="0"/>
+              <a:rPr lang="en-US"/>
               <a:t>Click to edit Master title style</a:t>
             </a:r>
             <a:endParaRPr lang="en-US" dirty="0"/>
@@ -2797,35 +2796,35 @@
           <a:p>
             <a:pPr lvl="0"/>
             <a:r>
-              <a:rPr lang="en-US" smtClean="0"/>
+              <a:rPr lang="en-US"/>
               <a:t>Click to edit Master text styles</a:t>
             </a:r>
           </a:p>
           <a:p>
             <a:pPr lvl="1"/>
             <a:r>
-              <a:rPr lang="en-US" smtClean="0"/>
+              <a:rPr lang="en-US"/>
               <a:t>Second level</a:t>
             </a:r>
           </a:p>
           <a:p>
             <a:pPr lvl="2"/>
             <a:r>
-              <a:rPr lang="en-US" smtClean="0"/>
+              <a:rPr lang="en-US"/>
               <a:t>Third level</a:t>
             </a:r>
           </a:p>
           <a:p>
             <a:pPr lvl="3"/>
             <a:r>
-              <a:rPr lang="en-US" smtClean="0"/>
+              <a:rPr lang="en-US"/>
               <a:t>Fourth level</a:t>
             </a:r>
           </a:p>
           <a:p>
             <a:pPr lvl="4"/>
             <a:r>
-              <a:rPr lang="en-US" smtClean="0"/>
+              <a:rPr lang="en-US"/>
               <a:t>Fifth level</a:t>
             </a:r>
             <a:endParaRPr lang="en-US" dirty="0"/>
@@ -2867,7 +2866,7 @@
           <a:p>
             <a:fld id="{FB5F2AB9-D88E-BD44-B295-056A7213B648}" type="datetimeFigureOut">
               <a:rPr lang="en-US" smtClean="0"/>
-              <a:t>5/24/18</a:t>
+              <a:t>6/4/2018</a:t>
             </a:fld>
             <a:endParaRPr lang="en-US"/>
           </a:p>
@@ -3296,10 +3295,9 @@
           <a:p>
             <a:pPr algn="ctr"/>
             <a:r>
-              <a:rPr lang="en-US" dirty="0" smtClean="0"/>
+              <a:rPr lang="en-US" dirty="0"/>
               <a:t>Connected</a:t>
             </a:r>
-            <a:endParaRPr lang="en-US" dirty="0"/>
           </a:p>
         </p:txBody>
       </p:sp>
@@ -3327,10 +3325,9 @@
           <a:p>
             <a:pPr algn="ctr"/>
             <a:r>
-              <a:rPr lang="en-US" dirty="0" smtClean="0"/>
+              <a:rPr lang="en-US" dirty="0"/>
               <a:t>Connected</a:t>
             </a:r>
-            <a:endParaRPr lang="en-US" dirty="0"/>
           </a:p>
         </p:txBody>
       </p:sp>
@@ -3390,10 +3387,9 @@
               <a:lstStyle/>
               <a:p>
                 <a:r>
-                  <a:rPr lang="en-US" sz="1200" dirty="0" smtClean="0"/>
+                  <a:rPr lang="en-US" sz="1200" dirty="0"/>
                   <a:t>A</a:t>
                 </a:r>
-                <a:endParaRPr lang="en-US" sz="1200" dirty="0"/>
               </a:p>
             </p:txBody>
           </p:sp>
@@ -3425,10 +3421,9 @@
               <a:lstStyle/>
               <a:p>
                 <a:r>
-                  <a:rPr lang="en-US" sz="1200" dirty="0" smtClean="0"/>
+                  <a:rPr lang="en-US" sz="1200" dirty="0"/>
                   <a:t>S</a:t>
                 </a:r>
-                <a:endParaRPr lang="en-US" sz="1200" dirty="0"/>
               </a:p>
             </p:txBody>
           </p:sp>
@@ -3460,10 +3455,9 @@
               <a:lstStyle/>
               <a:p>
                 <a:r>
-                  <a:rPr lang="en-US" sz="1200" dirty="0" smtClean="0"/>
+                  <a:rPr lang="en-US" sz="1200" dirty="0"/>
                   <a:t>R</a:t>
                 </a:r>
-                <a:endParaRPr lang="en-US" sz="1200" dirty="0"/>
               </a:p>
             </p:txBody>
           </p:sp>
@@ -3492,17 +3486,16 @@
             <a:p>
               <a:pPr algn="ctr"/>
               <a:r>
-                <a:rPr lang="en-US" u="sng" dirty="0" smtClean="0"/>
+                <a:rPr lang="en-US" u="sng" dirty="0"/>
                 <a:t>WICED</a:t>
               </a:r>
             </a:p>
             <a:p>
               <a:pPr algn="ctr"/>
               <a:r>
-                <a:rPr lang="en-US" u="sng" dirty="0" smtClean="0"/>
+                <a:rPr lang="en-US" u="sng" dirty="0"/>
                 <a:t>Peripheral</a:t>
               </a:r>
-              <a:endParaRPr lang="en-US" u="sng" dirty="0"/>
             </a:p>
           </p:txBody>
         </p:sp>
@@ -3530,17 +3523,16 @@
             <a:p>
               <a:pPr algn="ctr"/>
               <a:r>
-                <a:rPr lang="en-US" u="sng" dirty="0" smtClean="0"/>
+                <a:rPr lang="en-US" u="sng" dirty="0"/>
                 <a:t>Cell Phone</a:t>
               </a:r>
             </a:p>
             <a:p>
               <a:pPr algn="ctr"/>
               <a:r>
-                <a:rPr lang="en-US" u="sng" dirty="0" smtClean="0"/>
+                <a:rPr lang="en-US" u="sng" dirty="0"/>
                 <a:t>Central</a:t>
               </a:r>
-              <a:endParaRPr lang="en-US" u="sng" dirty="0"/>
             </a:p>
           </p:txBody>
         </p:sp>
@@ -3586,10 +3578,9 @@
               <a:lstStyle/>
               <a:p>
                 <a:r>
-                  <a:rPr lang="en-US" sz="1200" dirty="0" smtClean="0"/>
+                  <a:rPr lang="en-US" sz="1200" dirty="0"/>
                   <a:t>A</a:t>
                 </a:r>
-                <a:endParaRPr lang="en-US" sz="1200" dirty="0"/>
               </a:p>
             </p:txBody>
           </p:sp>
@@ -3621,10 +3612,9 @@
               <a:lstStyle/>
               <a:p>
                 <a:r>
-                  <a:rPr lang="en-US" sz="1200" dirty="0" smtClean="0"/>
+                  <a:rPr lang="en-US" sz="1200" dirty="0"/>
                   <a:t>S</a:t>
                 </a:r>
-                <a:endParaRPr lang="en-US" sz="1200" dirty="0"/>
               </a:p>
             </p:txBody>
           </p:sp>
@@ -3656,10 +3646,9 @@
               <a:lstStyle/>
               <a:p>
                 <a:r>
-                  <a:rPr lang="en-US" sz="1200" dirty="0" smtClean="0"/>
+                  <a:rPr lang="en-US" sz="1200" dirty="0"/>
                   <a:t>R</a:t>
                 </a:r>
-                <a:endParaRPr lang="en-US" sz="1200" dirty="0"/>
               </a:p>
             </p:txBody>
           </p:sp>
@@ -3722,7 +3711,7 @@
               <a:p>
                 <a:pPr algn="ctr"/>
                 <a:r>
-                  <a:rPr lang="en-US" sz="800" dirty="0" smtClean="0"/>
+                  <a:rPr lang="en-US" sz="800" dirty="0"/>
                   <a:t>API</a:t>
                 </a:r>
               </a:p>
@@ -3802,7 +3791,7 @@
                 <a:p>
                   <a:pPr algn="ctr"/>
                   <a:r>
-                    <a:rPr lang="en-US" sz="800" dirty="0" smtClean="0"/>
+                    <a:rPr lang="en-US" sz="800" dirty="0"/>
                     <a:t>EVENTS</a:t>
                   </a:r>
                 </a:p>
@@ -3920,10 +3909,9 @@
               <a:lstStyle/>
               <a:p>
                 <a:r>
-                  <a:rPr lang="en-US" sz="1200" dirty="0" smtClean="0"/>
+                  <a:rPr lang="en-US" sz="1200" dirty="0"/>
                   <a:t>A</a:t>
                 </a:r>
-                <a:endParaRPr lang="en-US" sz="1200" dirty="0"/>
               </a:p>
             </p:txBody>
           </p:sp>
@@ -3987,7 +3975,7 @@
               <a:p>
                 <a:pPr algn="ctr"/>
                 <a:r>
-                  <a:rPr lang="en-US" sz="800" dirty="0" smtClean="0"/>
+                  <a:rPr lang="en-US" sz="800" dirty="0"/>
                   <a:t>API</a:t>
                 </a:r>
               </a:p>
@@ -4067,7 +4055,7 @@
                 <a:p>
                   <a:pPr algn="ctr"/>
                   <a:r>
-                    <a:rPr lang="en-US" sz="800" dirty="0" smtClean="0"/>
+                    <a:rPr lang="en-US" sz="800" dirty="0"/>
                     <a:t>EVENTS</a:t>
                   </a:r>
                 </a:p>
@@ -4136,10 +4124,9 @@
               <a:lstStyle/>
               <a:p>
                 <a:r>
-                  <a:rPr lang="en-US" sz="1200" dirty="0" smtClean="0"/>
+                  <a:rPr lang="en-US" sz="1200" dirty="0"/>
                   <a:t>R</a:t>
                 </a:r>
-                <a:endParaRPr lang="en-US" sz="1200" dirty="0"/>
               </a:p>
             </p:txBody>
           </p:sp>
@@ -4169,27 +4156,27 @@
             <a:lstStyle/>
             <a:p>
               <a:r>
-                <a:rPr lang="en-US" sz="800" dirty="0" err="1" smtClean="0"/>
+                <a:rPr lang="en-US" sz="800" dirty="0" err="1"/>
                 <a:t>wiced_transport_init</a:t>
               </a:r>
-              <a:endParaRPr lang="en-US" sz="800" dirty="0" smtClean="0"/>
+              <a:endParaRPr lang="en-US" sz="800" dirty="0"/>
             </a:p>
             <a:p>
               <a:r>
-                <a:rPr lang="en-US" sz="800" dirty="0" err="1" smtClean="0"/>
+                <a:rPr lang="en-US" sz="800" dirty="0" err="1"/>
                 <a:t>wiced_transport_create_buffer_pool</a:t>
               </a:r>
               <a:r>
-                <a:rPr lang="en-US" sz="800" dirty="0" smtClean="0"/>
+                <a:rPr lang="en-US" sz="800" dirty="0"/>
                 <a:t> </a:t>
               </a:r>
             </a:p>
             <a:p>
               <a:r>
-                <a:rPr lang="en-US" sz="800" dirty="0" err="1" smtClean="0"/>
+                <a:rPr lang="en-US" sz="800" dirty="0" err="1"/>
                 <a:t>wiced_bt_stack_init</a:t>
               </a:r>
-              <a:endParaRPr lang="en-US" sz="800" dirty="0" smtClean="0"/>
+              <a:endParaRPr lang="en-US" sz="800" dirty="0"/>
             </a:p>
           </p:txBody>
         </p:sp>
@@ -4269,10 +4256,9 @@
               <a:lstStyle/>
               <a:p>
                 <a:r>
-                  <a:rPr lang="en-US" sz="1200" dirty="0" smtClean="0"/>
+                  <a:rPr lang="en-US" sz="1200" dirty="0"/>
                   <a:t>A</a:t>
                 </a:r>
-                <a:endParaRPr lang="en-US" sz="1200" dirty="0"/>
               </a:p>
             </p:txBody>
           </p:sp>
@@ -4336,7 +4322,7 @@
               <a:p>
                 <a:pPr algn="ctr"/>
                 <a:r>
-                  <a:rPr lang="en-US" sz="800" dirty="0" smtClean="0"/>
+                  <a:rPr lang="en-US" sz="800" dirty="0"/>
                   <a:t>API</a:t>
                 </a:r>
               </a:p>
@@ -4416,7 +4402,7 @@
                 <a:p>
                   <a:pPr algn="ctr"/>
                   <a:r>
-                    <a:rPr lang="en-US" sz="800" dirty="0" smtClean="0"/>
+                    <a:rPr lang="en-US" sz="800" dirty="0"/>
                     <a:t>EVENTS</a:t>
                   </a:r>
                 </a:p>
@@ -4485,10 +4471,9 @@
               <a:lstStyle/>
               <a:p>
                 <a:r>
-                  <a:rPr lang="en-US" sz="1200" dirty="0" smtClean="0"/>
+                  <a:rPr lang="en-US" sz="1200" dirty="0"/>
                   <a:t>R</a:t>
                 </a:r>
-                <a:endParaRPr lang="en-US" sz="1200" dirty="0"/>
               </a:p>
             </p:txBody>
           </p:sp>
@@ -4550,10 +4535,9 @@
             <a:p>
               <a:pPr algn="ctr"/>
               <a:r>
-                <a:rPr lang="en-US" dirty="0" smtClean="0"/>
+                <a:rPr lang="en-US" dirty="0"/>
                 <a:t>Off</a:t>
               </a:r>
-              <a:endParaRPr lang="en-US" dirty="0"/>
             </a:p>
           </p:txBody>
         </p:sp>
@@ -4581,10 +4565,9 @@
             <a:p>
               <a:pPr algn="ctr"/>
               <a:r>
-                <a:rPr lang="en-US" dirty="0" smtClean="0"/>
+                <a:rPr lang="en-US" dirty="0"/>
                 <a:t>On</a:t>
               </a:r>
-              <a:endParaRPr lang="en-US" dirty="0"/>
             </a:p>
           </p:txBody>
         </p:sp>
@@ -4612,10 +4595,9 @@
             <a:p>
               <a:pPr algn="ctr"/>
               <a:r>
-                <a:rPr lang="en-US" u="sng" dirty="0" smtClean="0"/>
+                <a:rPr lang="en-US" u="sng" dirty="0"/>
                 <a:t>State</a:t>
               </a:r>
-              <a:endParaRPr lang="en-US" u="sng" dirty="0"/>
             </a:p>
           </p:txBody>
         </p:sp>
@@ -4676,10 +4658,9 @@
             <a:p>
               <a:pPr algn="ctr"/>
               <a:r>
-                <a:rPr lang="en-US" dirty="0" smtClean="0"/>
+                <a:rPr lang="en-US" dirty="0"/>
                 <a:t>?</a:t>
               </a:r>
-              <a:endParaRPr lang="en-US" dirty="0"/>
             </a:p>
           </p:txBody>
         </p:sp>
@@ -4707,10 +4688,9 @@
             <a:p>
               <a:pPr algn="ctr"/>
               <a:r>
-                <a:rPr lang="en-US" dirty="0" smtClean="0"/>
+                <a:rPr lang="en-US" dirty="0"/>
                 <a:t>?</a:t>
               </a:r>
-              <a:endParaRPr lang="en-US" dirty="0"/>
             </a:p>
           </p:txBody>
         </p:sp>
@@ -4738,10 +4718,9 @@
             <a:p>
               <a:pPr algn="ctr"/>
               <a:r>
-                <a:rPr lang="en-US" u="sng" dirty="0" smtClean="0"/>
+                <a:rPr lang="en-US" u="sng" dirty="0"/>
                 <a:t>State</a:t>
               </a:r>
-              <a:endParaRPr lang="en-US" u="sng" dirty="0"/>
             </a:p>
           </p:txBody>
         </p:sp>
@@ -4785,15 +4764,15 @@
               <a:lstStyle/>
               <a:p>
                 <a:r>
-                  <a:rPr lang="en-US" sz="1200" dirty="0" smtClean="0"/>
+                  <a:rPr lang="en-US" sz="1200" dirty="0"/>
                   <a:t>Stack </a:t>
                 </a:r>
                 <a:r>
-                  <a:rPr lang="mr-IN" sz="1200" dirty="0" smtClean="0"/>
+                  <a:rPr lang="mr-IN" sz="1200" dirty="0"/>
                   <a:t>–</a:t>
                 </a:r>
                 <a:r>
-                  <a:rPr lang="en-US" sz="1200" dirty="0" smtClean="0"/>
+                  <a:rPr lang="en-US" sz="1200" dirty="0"/>
                   <a:t> Bluetooth Stack</a:t>
                 </a:r>
               </a:p>
@@ -4827,10 +4806,9 @@
               <a:lstStyle/>
               <a:p>
                 <a:r>
-                  <a:rPr lang="en-US" sz="1200" dirty="0" smtClean="0"/>
+                  <a:rPr lang="en-US" sz="1200" dirty="0"/>
                   <a:t>S</a:t>
                 </a:r>
-                <a:endParaRPr lang="en-US" sz="1200" dirty="0"/>
               </a:p>
             </p:txBody>
           </p:sp>
@@ -4909,18 +4887,17 @@
               <a:lstStyle/>
               <a:p>
                 <a:r>
-                  <a:rPr lang="en-US" sz="1200" dirty="0" smtClean="0"/>
+                  <a:rPr lang="en-US" sz="1200" dirty="0"/>
                   <a:t>Radio </a:t>
                 </a:r>
                 <a:r>
-                  <a:rPr lang="mr-IN" sz="1200" dirty="0" smtClean="0"/>
+                  <a:rPr lang="mr-IN" sz="1200" dirty="0"/>
                   <a:t>–</a:t>
                 </a:r>
                 <a:r>
-                  <a:rPr lang="en-US" sz="1200" dirty="0" smtClean="0"/>
+                  <a:rPr lang="en-US" sz="1200" dirty="0"/>
                   <a:t> Bluetooth Radio</a:t>
                 </a:r>
-                <a:endParaRPr lang="en-US" sz="1200" dirty="0"/>
               </a:p>
             </p:txBody>
           </p:sp>
@@ -4967,10 +4944,9 @@
               <a:lstStyle/>
               <a:p>
                 <a:r>
-                  <a:rPr lang="en-US" sz="1200" dirty="0" smtClean="0"/>
+                  <a:rPr lang="en-US" sz="1200" dirty="0"/>
                   <a:t>A</a:t>
                 </a:r>
-                <a:endParaRPr lang="en-US" sz="1200" dirty="0"/>
               </a:p>
             </p:txBody>
           </p:sp>
@@ -5000,7 +4976,7 @@
               <a:lstStyle/>
               <a:p>
                 <a:r>
-                  <a:rPr lang="en-US" sz="1200" dirty="0" smtClean="0"/>
+                  <a:rPr lang="en-US" sz="1200" dirty="0"/>
                   <a:t>Application Firmware</a:t>
                 </a:r>
               </a:p>
@@ -5018,13 +4994,6 @@
   <p:clrMapOvr>
     <a:masterClrMapping/>
   </p:clrMapOvr>
-  <p:timing>
-    <p:tnLst>
-      <p:par>
-        <p:cTn id="1" dur="indefinite" restart="never" nodeType="tmRoot"/>
-      </p:par>
-    </p:tnLst>
-  </p:timing>
 </p:sld>
 </file>
 
@@ -5069,10 +5038,9 @@
           <a:p>
             <a:pPr algn="ctr"/>
             <a:r>
-              <a:rPr lang="en-US" dirty="0" smtClean="0"/>
+              <a:rPr lang="en-US" dirty="0"/>
               <a:t>Connected</a:t>
             </a:r>
-            <a:endParaRPr lang="en-US" dirty="0"/>
           </a:p>
         </p:txBody>
       </p:sp>
@@ -5100,10 +5068,9 @@
           <a:p>
             <a:pPr algn="ctr"/>
             <a:r>
-              <a:rPr lang="en-US" dirty="0" smtClean="0"/>
+              <a:rPr lang="en-US" dirty="0"/>
               <a:t>Connected</a:t>
             </a:r>
-            <a:endParaRPr lang="en-US" dirty="0"/>
           </a:p>
         </p:txBody>
       </p:sp>
@@ -5145,17 +5112,16 @@
             <a:p>
               <a:pPr algn="ctr"/>
               <a:r>
-                <a:rPr lang="en-US" u="sng" dirty="0" smtClean="0"/>
+                <a:rPr lang="en-US" u="sng" dirty="0"/>
                 <a:t>WICED</a:t>
               </a:r>
             </a:p>
             <a:p>
               <a:pPr algn="ctr"/>
               <a:r>
-                <a:rPr lang="en-US" u="sng" dirty="0" smtClean="0"/>
+                <a:rPr lang="en-US" u="sng" dirty="0"/>
                 <a:t>Peripheral</a:t>
               </a:r>
-              <a:endParaRPr lang="en-US" u="sng" dirty="0"/>
             </a:p>
           </p:txBody>
         </p:sp>
@@ -5183,17 +5149,16 @@
             <a:p>
               <a:pPr algn="ctr"/>
               <a:r>
-                <a:rPr lang="en-US" u="sng" dirty="0" smtClean="0"/>
+                <a:rPr lang="en-US" u="sng" dirty="0"/>
                 <a:t>Cell Phone</a:t>
               </a:r>
             </a:p>
             <a:p>
               <a:pPr algn="ctr"/>
               <a:r>
-                <a:rPr lang="en-US" u="sng" dirty="0" smtClean="0"/>
+                <a:rPr lang="en-US" u="sng" dirty="0"/>
                 <a:t>Central</a:t>
               </a:r>
-              <a:endParaRPr lang="en-US" u="sng" dirty="0"/>
             </a:p>
           </p:txBody>
         </p:sp>
@@ -5239,10 +5204,9 @@
               <a:lstStyle/>
               <a:p>
                 <a:r>
-                  <a:rPr lang="en-US" sz="1200" dirty="0" smtClean="0"/>
+                  <a:rPr lang="en-US" sz="1200" dirty="0"/>
                   <a:t>A</a:t>
                 </a:r>
-                <a:endParaRPr lang="en-US" sz="1200" dirty="0"/>
               </a:p>
             </p:txBody>
           </p:sp>
@@ -5274,10 +5238,9 @@
               <a:lstStyle/>
               <a:p>
                 <a:r>
-                  <a:rPr lang="en-US" sz="1200" dirty="0" smtClean="0"/>
+                  <a:rPr lang="en-US" sz="1200" dirty="0"/>
                   <a:t>S</a:t>
                 </a:r>
-                <a:endParaRPr lang="en-US" sz="1200" dirty="0"/>
               </a:p>
             </p:txBody>
           </p:sp>
@@ -5309,10 +5272,9 @@
               <a:lstStyle/>
               <a:p>
                 <a:r>
-                  <a:rPr lang="en-US" sz="1200" dirty="0" smtClean="0"/>
+                  <a:rPr lang="en-US" sz="1200" dirty="0"/>
                   <a:t>R</a:t>
                 </a:r>
-                <a:endParaRPr lang="en-US" sz="1200" dirty="0"/>
               </a:p>
             </p:txBody>
           </p:sp>
@@ -5375,7 +5337,7 @@
               <a:p>
                 <a:pPr algn="ctr"/>
                 <a:r>
-                  <a:rPr lang="en-US" sz="800" dirty="0" smtClean="0"/>
+                  <a:rPr lang="en-US" sz="800" dirty="0"/>
                   <a:t>API</a:t>
                 </a:r>
               </a:p>
@@ -5455,7 +5417,7 @@
                 <a:p>
                   <a:pPr algn="ctr"/>
                   <a:r>
-                    <a:rPr lang="en-US" sz="800" dirty="0" smtClean="0"/>
+                    <a:rPr lang="en-US" sz="800" dirty="0"/>
                     <a:t>EVENTS</a:t>
                   </a:r>
                 </a:p>
@@ -5573,10 +5535,9 @@
               <a:lstStyle/>
               <a:p>
                 <a:r>
-                  <a:rPr lang="en-US" sz="1200" dirty="0" smtClean="0"/>
+                  <a:rPr lang="en-US" sz="1200" dirty="0"/>
                   <a:t>A</a:t>
                 </a:r>
-                <a:endParaRPr lang="en-US" sz="1200" dirty="0"/>
               </a:p>
             </p:txBody>
           </p:sp>
@@ -5640,7 +5601,7 @@
               <a:p>
                 <a:pPr algn="ctr"/>
                 <a:r>
-                  <a:rPr lang="en-US" sz="800" dirty="0" smtClean="0"/>
+                  <a:rPr lang="en-US" sz="800" dirty="0"/>
                   <a:t>API</a:t>
                 </a:r>
               </a:p>
@@ -5720,7 +5681,7 @@
                 <a:p>
                   <a:pPr algn="ctr"/>
                   <a:r>
-                    <a:rPr lang="en-US" sz="800" dirty="0" smtClean="0"/>
+                    <a:rPr lang="en-US" sz="800" dirty="0"/>
                     <a:t>EVENTS</a:t>
                   </a:r>
                 </a:p>
@@ -5789,10 +5750,9 @@
               <a:lstStyle/>
               <a:p>
                 <a:r>
-                  <a:rPr lang="en-US" sz="1200" dirty="0" smtClean="0"/>
+                  <a:rPr lang="en-US" sz="1200" dirty="0"/>
                   <a:t>R</a:t>
                 </a:r>
-                <a:endParaRPr lang="en-US" sz="1200" dirty="0"/>
               </a:p>
             </p:txBody>
           </p:sp>
@@ -5821,10 +5781,9 @@
             <a:p>
               <a:pPr algn="ctr"/>
               <a:r>
-                <a:rPr lang="en-US" dirty="0" smtClean="0"/>
+                <a:rPr lang="en-US" dirty="0"/>
                 <a:t>On</a:t>
               </a:r>
-              <a:endParaRPr lang="en-US" dirty="0"/>
             </a:p>
           </p:txBody>
         </p:sp>
@@ -5852,10 +5811,9 @@
             <a:p>
               <a:pPr algn="ctr"/>
               <a:r>
-                <a:rPr lang="en-US" u="sng" dirty="0" smtClean="0"/>
+                <a:rPr lang="en-US" u="sng" dirty="0"/>
                 <a:t>State</a:t>
               </a:r>
-              <a:endParaRPr lang="en-US" u="sng" dirty="0"/>
             </a:p>
           </p:txBody>
         </p:sp>
@@ -5883,10 +5841,9 @@
             <a:p>
               <a:pPr algn="ctr"/>
               <a:r>
-                <a:rPr lang="en-US" dirty="0" smtClean="0"/>
+                <a:rPr lang="en-US" dirty="0"/>
                 <a:t>Advertising</a:t>
               </a:r>
-              <a:endParaRPr lang="en-US" dirty="0"/>
             </a:p>
           </p:txBody>
         </p:sp>
@@ -5914,10 +5871,9 @@
             <a:p>
               <a:pPr algn="ctr"/>
               <a:r>
-                <a:rPr lang="en-US" dirty="0" smtClean="0"/>
+                <a:rPr lang="en-US" dirty="0"/>
                 <a:t>?</a:t>
               </a:r>
-              <a:endParaRPr lang="en-US" dirty="0"/>
             </a:p>
           </p:txBody>
         </p:sp>
@@ -5945,10 +5901,9 @@
             <a:p>
               <a:pPr algn="ctr"/>
               <a:r>
-                <a:rPr lang="en-US" u="sng" dirty="0" smtClean="0"/>
+                <a:rPr lang="en-US" u="sng" dirty="0"/>
                 <a:t>State</a:t>
               </a:r>
-              <a:endParaRPr lang="en-US" u="sng" dirty="0"/>
             </a:p>
           </p:txBody>
         </p:sp>
@@ -5976,10 +5931,9 @@
             <a:p>
               <a:pPr algn="ctr"/>
               <a:r>
-                <a:rPr lang="en-US" dirty="0" smtClean="0"/>
+                <a:rPr lang="en-US" dirty="0"/>
                 <a:t>Scanning</a:t>
               </a:r>
-              <a:endParaRPr lang="en-US" dirty="0"/>
             </a:p>
           </p:txBody>
         </p:sp>
@@ -6025,10 +5979,9 @@
               <a:lstStyle/>
               <a:p>
                 <a:r>
-                  <a:rPr lang="en-US" sz="1200" dirty="0" smtClean="0"/>
+                  <a:rPr lang="en-US" sz="1200" dirty="0"/>
                   <a:t>A</a:t>
                 </a:r>
-                <a:endParaRPr lang="en-US" sz="1200" dirty="0"/>
               </a:p>
             </p:txBody>
           </p:sp>
@@ -6060,10 +6013,9 @@
               <a:lstStyle/>
               <a:p>
                 <a:r>
-                  <a:rPr lang="en-US" sz="1200" dirty="0" smtClean="0"/>
+                  <a:rPr lang="en-US" sz="1200" dirty="0"/>
                   <a:t>S</a:t>
                 </a:r>
-                <a:endParaRPr lang="en-US" sz="1200" dirty="0"/>
               </a:p>
             </p:txBody>
           </p:sp>
@@ -6095,10 +6047,9 @@
               <a:lstStyle/>
               <a:p>
                 <a:r>
-                  <a:rPr lang="en-US" sz="1200" dirty="0" smtClean="0"/>
+                  <a:rPr lang="en-US" sz="1200" dirty="0"/>
                   <a:t>R</a:t>
                 </a:r>
-                <a:endParaRPr lang="en-US" sz="1200" dirty="0"/>
               </a:p>
             </p:txBody>
           </p:sp>
@@ -6161,7 +6112,7 @@
               <a:p>
                 <a:pPr algn="ctr"/>
                 <a:r>
-                  <a:rPr lang="en-US" sz="800" dirty="0" smtClean="0"/>
+                  <a:rPr lang="en-US" sz="800" dirty="0"/>
                   <a:t>API</a:t>
                 </a:r>
               </a:p>
@@ -6241,7 +6192,7 @@
                 <a:p>
                   <a:pPr algn="ctr"/>
                   <a:r>
-                    <a:rPr lang="en-US" sz="800" dirty="0" smtClean="0"/>
+                    <a:rPr lang="en-US" sz="800" dirty="0"/>
                     <a:t>EVENTS</a:t>
                   </a:r>
                 </a:p>
@@ -6359,10 +6310,9 @@
               <a:lstStyle/>
               <a:p>
                 <a:r>
-                  <a:rPr lang="en-US" sz="1200" dirty="0" smtClean="0"/>
+                  <a:rPr lang="en-US" sz="1200" dirty="0"/>
                   <a:t>A</a:t>
                 </a:r>
-                <a:endParaRPr lang="en-US" sz="1200" dirty="0"/>
               </a:p>
             </p:txBody>
           </p:sp>
@@ -6426,7 +6376,7 @@
               <a:p>
                 <a:pPr algn="ctr"/>
                 <a:r>
-                  <a:rPr lang="en-US" sz="800" dirty="0" smtClean="0"/>
+                  <a:rPr lang="en-US" sz="800" dirty="0"/>
                   <a:t>API</a:t>
                 </a:r>
               </a:p>
@@ -6506,7 +6456,7 @@
                 <a:p>
                   <a:pPr algn="ctr"/>
                   <a:r>
-                    <a:rPr lang="en-US" sz="800" dirty="0" smtClean="0"/>
+                    <a:rPr lang="en-US" sz="800" dirty="0"/>
                     <a:t>EVENTS</a:t>
                   </a:r>
                 </a:p>
@@ -6575,10 +6525,9 @@
               <a:lstStyle/>
               <a:p>
                 <a:r>
-                  <a:rPr lang="en-US" sz="1200" dirty="0" smtClean="0"/>
+                  <a:rPr lang="en-US" sz="1200" dirty="0"/>
                   <a:t>R</a:t>
                 </a:r>
-                <a:endParaRPr lang="en-US" sz="1200" dirty="0"/>
               </a:p>
             </p:txBody>
           </p:sp>
@@ -6678,7 +6627,7 @@
             <a:lstStyle/>
             <a:p>
               <a:r>
-                <a:rPr lang="en-US" sz="800" dirty="0" smtClean="0">
+                <a:rPr lang="en-US" sz="800" dirty="0">
                   <a:sym typeface="Wingdings"/>
                 </a:rPr>
                 <a:t> BTM_ENABLED_EVT</a:t>
@@ -6686,18 +6635,18 @@
             </a:p>
             <a:p>
               <a:r>
-                <a:rPr lang="en-US" sz="800" dirty="0" err="1" smtClean="0">
+                <a:rPr lang="en-US" sz="800" dirty="0" err="1">
                   <a:sym typeface="Wingdings"/>
                 </a:rPr>
                 <a:t>wiced_bt_app_init</a:t>
               </a:r>
-              <a:endParaRPr lang="en-US" sz="800" dirty="0" smtClean="0">
+              <a:endParaRPr lang="en-US" sz="800" dirty="0">
                 <a:sym typeface="Wingdings"/>
               </a:endParaRPr>
             </a:p>
             <a:p>
               <a:r>
-                <a:rPr lang="en-US" sz="800" dirty="0" err="1" smtClean="0">
+                <a:rPr lang="en-US" sz="800" dirty="0" err="1">
                   <a:sym typeface="Wingdings"/>
                 </a:rPr>
                 <a:t>wiced_bt_gatt_register</a:t>
@@ -6708,17 +6657,17 @@
             </a:p>
             <a:p>
               <a:r>
-                <a:rPr lang="en-US" sz="800" dirty="0" err="1" smtClean="0"/>
+                <a:rPr lang="en-US" sz="800" dirty="0" err="1"/>
                 <a:t>wiced_bt_ble_set_raw_advertisement_data</a:t>
               </a:r>
-              <a:endParaRPr lang="en-US" sz="800" dirty="0" smtClean="0"/>
+              <a:endParaRPr lang="en-US" sz="800" dirty="0"/>
             </a:p>
             <a:p>
               <a:r>
-                <a:rPr lang="en-US" sz="800" dirty="0" err="1" smtClean="0"/>
+                <a:rPr lang="en-US" sz="800" dirty="0" err="1"/>
                 <a:t>wiced_bt_start_advertisements</a:t>
               </a:r>
-              <a:endParaRPr lang="en-US" sz="800" dirty="0" smtClean="0"/>
+              <a:endParaRPr lang="en-US" sz="800" dirty="0"/>
             </a:p>
           </p:txBody>
         </p:sp>
@@ -6785,51 +6734,39 @@
             <a:lstStyle/>
             <a:p>
               <a:r>
-                <a:rPr lang="en-US" sz="800" b="1" u="sng" dirty="0" smtClean="0">
+                <a:rPr lang="en-US" sz="800" b="1" u="sng" dirty="0">
                   <a:sym typeface="Wingdings"/>
                 </a:rPr>
                 <a:t>Advertising Packet </a:t>
               </a:r>
               <a:r>
-                <a:rPr lang="mr-IN" sz="800" b="1" u="sng" dirty="0" smtClean="0">
+                <a:rPr lang="mr-IN" sz="800" b="1" u="sng" dirty="0">
                   <a:sym typeface="Wingdings"/>
                 </a:rPr>
                 <a:t>–</a:t>
               </a:r>
               <a:r>
-                <a:rPr lang="en-US" sz="800" b="1" u="sng" dirty="0" smtClean="0">
+                <a:rPr lang="en-US" sz="800" b="1" u="sng" dirty="0">
                   <a:sym typeface="Wingdings"/>
                 </a:rPr>
-                <a:t> </a:t>
-              </a:r>
-              <a:r>
-                <a:rPr lang="en-US" sz="800" b="1" u="sng" dirty="0" err="1" smtClean="0">
-                  <a:sym typeface="Wingdings"/>
-                </a:rPr>
-                <a:t>upto</a:t>
-              </a:r>
-              <a:r>
-                <a:rPr lang="en-US" sz="800" b="1" u="sng" dirty="0" smtClean="0">
-                  <a:sym typeface="Wingdings"/>
-                </a:rPr>
-                <a:t> 37 bytes</a:t>
+                <a:t> up to 37 bytes</a:t>
               </a:r>
             </a:p>
             <a:p>
               <a:r>
-                <a:rPr lang="en-US" sz="800" dirty="0" smtClean="0">
+                <a:rPr lang="en-US" sz="800" dirty="0">
                   <a:sym typeface="Wingdings"/>
                 </a:rPr>
                 <a:t>BDADDR </a:t>
               </a:r>
               <a:r>
-                <a:rPr lang="mr-IN" sz="800" dirty="0" smtClean="0">
+                <a:rPr lang="mr-IN" sz="800" dirty="0">
                   <a:sym typeface="Wingdings"/>
                 </a:rPr>
                 <a:t>–</a:t>
               </a:r>
               <a:r>
-                <a:rPr lang="en-US" sz="800" dirty="0" smtClean="0">
+                <a:rPr lang="en-US" sz="800" dirty="0">
                   <a:sym typeface="Wingdings"/>
                 </a:rPr>
                 <a:t> Bluetooth Address</a:t>
@@ -6837,41 +6774,32 @@
             </a:p>
             <a:p>
               <a:r>
-                <a:rPr lang="en-US" sz="800" dirty="0" smtClean="0">
+                <a:rPr lang="en-US" sz="800" dirty="0">
                   <a:sym typeface="Wingdings"/>
                 </a:rPr>
-                <a:t>Flags Connectable, </a:t>
+                <a:t>Flags Connectable, Scannable</a:t>
+              </a:r>
+            </a:p>
+            <a:p>
+              <a:r>
+                <a:rPr lang="en-US" sz="800" u="sng" dirty="0">
+                  <a:sym typeface="Wingdings"/>
+                </a:rPr>
+                <a:t>Optional Fields</a:t>
               </a:r>
               <a:r>
-                <a:rPr lang="en-US" sz="800" dirty="0" err="1" smtClean="0">
+                <a:rPr lang="mr-IN" sz="800" u="sng" dirty="0">
                   <a:sym typeface="Wingdings"/>
                 </a:rPr>
-                <a:t>Scanable</a:t>
+                <a:t>…</a:t>
               </a:r>
-              <a:endParaRPr lang="en-US" sz="800" dirty="0" smtClean="0">
+              <a:endParaRPr lang="en-US" sz="800" u="sng" dirty="0">
                 <a:sym typeface="Wingdings"/>
               </a:endParaRPr>
             </a:p>
             <a:p>
               <a:r>
-                <a:rPr lang="en-US" sz="800" u="sng" dirty="0" smtClean="0">
-                  <a:sym typeface="Wingdings"/>
-                </a:rPr>
-                <a:t>Optional Fields</a:t>
-              </a:r>
-              <a:r>
-                <a:rPr lang="mr-IN" sz="800" u="sng" dirty="0" smtClean="0">
-                  <a:sym typeface="Wingdings"/>
-                </a:rPr>
-                <a:t>…</a:t>
-              </a:r>
-              <a:endParaRPr lang="en-US" sz="800" u="sng" dirty="0" smtClean="0">
-                <a:sym typeface="Wingdings"/>
-              </a:endParaRPr>
-            </a:p>
-            <a:p>
-              <a:r>
-                <a:rPr lang="en-US" sz="800" dirty="0" smtClean="0">
+                <a:rPr lang="en-US" sz="800" dirty="0">
                   <a:sym typeface="Wingdings"/>
                 </a:rPr>
                 <a:t>Name</a:t>
@@ -6879,7 +6807,7 @@
             </a:p>
             <a:p>
               <a:r>
-                <a:rPr lang="en-US" sz="800" dirty="0" smtClean="0">
+                <a:rPr lang="en-US" sz="800" dirty="0">
                   <a:sym typeface="Wingdings"/>
                 </a:rPr>
                 <a:t>Available Services</a:t>
@@ -6887,7 +6815,7 @@
             </a:p>
             <a:p>
               <a:r>
-                <a:rPr lang="en-US" sz="800" dirty="0" smtClean="0">
+                <a:rPr lang="en-US" sz="800" dirty="0">
                   <a:sym typeface="Wingdings"/>
                 </a:rPr>
                 <a:t>Vendor Specific Data</a:t>
@@ -6895,12 +6823,12 @@
             </a:p>
             <a:p>
               <a:r>
-                <a:rPr lang="en-US" sz="800" dirty="0" smtClean="0">
+                <a:rPr lang="en-US" sz="800" dirty="0">
                   <a:sym typeface="Wingdings"/>
                 </a:rPr>
                 <a:t> </a:t>
               </a:r>
-              <a:endParaRPr lang="en-US" sz="800" dirty="0" smtClean="0"/>
+              <a:endParaRPr lang="en-US" sz="800" dirty="0"/>
             </a:p>
           </p:txBody>
         </p:sp>
@@ -7014,13 +6942,13 @@
               <a:lstStyle/>
               <a:p>
                 <a:r>
-                  <a:rPr lang="en-US" sz="800" dirty="0" err="1" smtClean="0">
+                  <a:rPr lang="en-US" sz="800" dirty="0" err="1">
                     <a:sym typeface="Wingdings"/>
                   </a:rPr>
                   <a:t>Adv</a:t>
                 </a:r>
                 <a:r>
-                  <a:rPr lang="en-US" sz="800" dirty="0" smtClean="0">
+                  <a:rPr lang="en-US" sz="800" dirty="0">
                     <a:sym typeface="Wingdings"/>
                   </a:rPr>
                   <a:t> Packet</a:t>
@@ -7028,12 +6956,12 @@
               </a:p>
               <a:p>
                 <a:r>
-                  <a:rPr lang="en-US" sz="800" dirty="0" smtClean="0">
+                  <a:rPr lang="en-US" sz="800" dirty="0">
                     <a:sym typeface="Wingdings"/>
                   </a:rPr>
                   <a:t> </a:t>
                 </a:r>
-                <a:endParaRPr lang="en-US" sz="800" dirty="0" smtClean="0"/>
+                <a:endParaRPr lang="en-US" sz="800" dirty="0"/>
               </a:p>
             </p:txBody>
           </p:sp>
@@ -7049,13 +6977,6 @@
   <p:clrMapOvr>
     <a:masterClrMapping/>
   </p:clrMapOvr>
-  <p:timing>
-    <p:tnLst>
-      <p:par>
-        <p:cTn id="1" dur="indefinite" restart="never" nodeType="tmRoot"/>
-      </p:par>
-    </p:tnLst>
-  </p:timing>
 </p:sld>
 </file>
 
@@ -7118,10 +7039,9 @@
             <a:lstStyle/>
             <a:p>
               <a:r>
-                <a:rPr lang="en-US" sz="1200" dirty="0" smtClean="0"/>
+                <a:rPr lang="en-US" sz="1200" dirty="0"/>
                 <a:t>A</a:t>
               </a:r>
-              <a:endParaRPr lang="en-US" sz="1200" dirty="0"/>
             </a:p>
           </p:txBody>
         </p:sp>
@@ -7153,10 +7073,9 @@
             <a:lstStyle/>
             <a:p>
               <a:r>
-                <a:rPr lang="en-US" sz="1200" dirty="0" smtClean="0"/>
+                <a:rPr lang="en-US" sz="1200" dirty="0"/>
                 <a:t>S</a:t>
               </a:r>
-              <a:endParaRPr lang="en-US" sz="1200" dirty="0"/>
             </a:p>
           </p:txBody>
         </p:sp>
@@ -7188,10 +7107,9 @@
             <a:lstStyle/>
             <a:p>
               <a:r>
-                <a:rPr lang="en-US" sz="1200" dirty="0" smtClean="0"/>
+                <a:rPr lang="en-US" sz="1200" dirty="0"/>
                 <a:t>R</a:t>
               </a:r>
-              <a:endParaRPr lang="en-US" sz="1200" dirty="0"/>
             </a:p>
           </p:txBody>
         </p:sp>
@@ -7220,17 +7138,16 @@
           <a:p>
             <a:pPr algn="ctr"/>
             <a:r>
-              <a:rPr lang="en-US" u="sng" dirty="0" smtClean="0"/>
+              <a:rPr lang="en-US" u="sng" dirty="0"/>
               <a:t>WICED</a:t>
             </a:r>
           </a:p>
           <a:p>
             <a:pPr algn="ctr"/>
             <a:r>
-              <a:rPr lang="en-US" u="sng" dirty="0" smtClean="0"/>
+              <a:rPr lang="en-US" u="sng" dirty="0"/>
               <a:t>Peripheral</a:t>
             </a:r>
-            <a:endParaRPr lang="en-US" u="sng" dirty="0"/>
           </a:p>
         </p:txBody>
       </p:sp>
@@ -7258,17 +7175,16 @@
           <a:p>
             <a:pPr algn="ctr"/>
             <a:r>
-              <a:rPr lang="en-US" u="sng" dirty="0" smtClean="0"/>
+              <a:rPr lang="en-US" u="sng" dirty="0"/>
               <a:t>Cell Phone</a:t>
             </a:r>
           </a:p>
           <a:p>
             <a:pPr algn="ctr"/>
             <a:r>
-              <a:rPr lang="en-US" u="sng" dirty="0" smtClean="0"/>
+              <a:rPr lang="en-US" u="sng" dirty="0"/>
               <a:t>Central</a:t>
             </a:r>
-            <a:endParaRPr lang="en-US" u="sng" dirty="0"/>
           </a:p>
         </p:txBody>
       </p:sp>
@@ -7314,10 +7230,9 @@
             <a:lstStyle/>
             <a:p>
               <a:r>
-                <a:rPr lang="en-US" sz="1200" dirty="0" smtClean="0"/>
+                <a:rPr lang="en-US" sz="1200" dirty="0"/>
                 <a:t>A</a:t>
               </a:r>
-              <a:endParaRPr lang="en-US" sz="1200" dirty="0"/>
             </a:p>
           </p:txBody>
         </p:sp>
@@ -7349,10 +7264,9 @@
             <a:lstStyle/>
             <a:p>
               <a:r>
-                <a:rPr lang="en-US" sz="1200" dirty="0" smtClean="0"/>
+                <a:rPr lang="en-US" sz="1200" dirty="0"/>
                 <a:t>S</a:t>
               </a:r>
-              <a:endParaRPr lang="en-US" sz="1200" dirty="0"/>
             </a:p>
           </p:txBody>
         </p:sp>
@@ -7384,10 +7298,9 @@
             <a:lstStyle/>
             <a:p>
               <a:r>
-                <a:rPr lang="en-US" sz="1200" dirty="0" smtClean="0"/>
+                <a:rPr lang="en-US" sz="1200" dirty="0"/>
                 <a:t>R</a:t>
               </a:r>
-              <a:endParaRPr lang="en-US" sz="1200" dirty="0"/>
             </a:p>
           </p:txBody>
         </p:sp>
@@ -7450,7 +7363,7 @@
             <a:p>
               <a:pPr algn="ctr"/>
               <a:r>
-                <a:rPr lang="en-US" sz="800" dirty="0" smtClean="0"/>
+                <a:rPr lang="en-US" sz="800" dirty="0"/>
                 <a:t>API</a:t>
               </a:r>
             </a:p>
@@ -7530,7 +7443,7 @@
               <a:p>
                 <a:pPr algn="ctr"/>
                 <a:r>
-                  <a:rPr lang="en-US" sz="800" dirty="0" smtClean="0"/>
+                  <a:rPr lang="en-US" sz="800" dirty="0"/>
                   <a:t>EVENTS</a:t>
                 </a:r>
               </a:p>
@@ -7648,10 +7561,9 @@
             <a:lstStyle/>
             <a:p>
               <a:r>
-                <a:rPr lang="en-US" sz="1200" dirty="0" smtClean="0"/>
+                <a:rPr lang="en-US" sz="1200" dirty="0"/>
                 <a:t>A</a:t>
               </a:r>
-              <a:endParaRPr lang="en-US" sz="1200" dirty="0"/>
             </a:p>
           </p:txBody>
         </p:sp>
@@ -7715,7 +7627,7 @@
             <a:p>
               <a:pPr algn="ctr"/>
               <a:r>
-                <a:rPr lang="en-US" sz="800" dirty="0" smtClean="0"/>
+                <a:rPr lang="en-US" sz="800" dirty="0"/>
                 <a:t>API</a:t>
               </a:r>
             </a:p>
@@ -7795,7 +7707,7 @@
               <a:p>
                 <a:pPr algn="ctr"/>
                 <a:r>
-                  <a:rPr lang="en-US" sz="800" dirty="0" smtClean="0"/>
+                  <a:rPr lang="en-US" sz="800" dirty="0"/>
                   <a:t>EVENTS</a:t>
                 </a:r>
               </a:p>
@@ -7864,10 +7776,9 @@
             <a:lstStyle/>
             <a:p>
               <a:r>
-                <a:rPr lang="en-US" sz="1200" dirty="0" smtClean="0"/>
+                <a:rPr lang="en-US" sz="1200" dirty="0"/>
                 <a:t>R</a:t>
               </a:r>
-              <a:endParaRPr lang="en-US" sz="1200" dirty="0"/>
             </a:p>
           </p:txBody>
         </p:sp>
@@ -7897,27 +7808,27 @@
           <a:lstStyle/>
           <a:p>
             <a:r>
-              <a:rPr lang="en-US" sz="800" dirty="0" err="1" smtClean="0"/>
+              <a:rPr lang="en-US" sz="800" dirty="0" err="1"/>
               <a:t>wiced_transport_init</a:t>
             </a:r>
-            <a:endParaRPr lang="en-US" sz="800" dirty="0" smtClean="0"/>
-          </a:p>
-          <a:p>
-            <a:r>
-              <a:rPr lang="en-US" sz="800" dirty="0" err="1" smtClean="0"/>
+            <a:endParaRPr lang="en-US" sz="800" dirty="0"/>
+          </a:p>
+          <a:p>
+            <a:r>
+              <a:rPr lang="en-US" sz="800" dirty="0" err="1"/>
               <a:t>wiced_transport_create_buffer_pool</a:t>
             </a:r>
             <a:r>
-              <a:rPr lang="en-US" sz="800" dirty="0" smtClean="0"/>
+              <a:rPr lang="en-US" sz="800" dirty="0"/>
               <a:t> </a:t>
             </a:r>
           </a:p>
           <a:p>
             <a:r>
-              <a:rPr lang="en-US" sz="800" dirty="0" err="1" smtClean="0"/>
+              <a:rPr lang="en-US" sz="800" dirty="0" err="1"/>
               <a:t>wiced_bt_stack_init</a:t>
             </a:r>
-            <a:endParaRPr lang="en-US" sz="800" dirty="0" smtClean="0"/>
+            <a:endParaRPr lang="en-US" sz="800" dirty="0"/>
           </a:p>
         </p:txBody>
       </p:sp>
@@ -7997,10 +7908,9 @@
             <a:lstStyle/>
             <a:p>
               <a:r>
-                <a:rPr lang="en-US" sz="1200" dirty="0" smtClean="0"/>
+                <a:rPr lang="en-US" sz="1200" dirty="0"/>
                 <a:t>A</a:t>
               </a:r>
-              <a:endParaRPr lang="en-US" sz="1200" dirty="0"/>
             </a:p>
           </p:txBody>
         </p:sp>
@@ -8064,7 +7974,7 @@
             <a:p>
               <a:pPr algn="ctr"/>
               <a:r>
-                <a:rPr lang="en-US" sz="800" dirty="0" smtClean="0"/>
+                <a:rPr lang="en-US" sz="800" dirty="0"/>
                 <a:t>API</a:t>
               </a:r>
             </a:p>
@@ -8144,7 +8054,7 @@
               <a:p>
                 <a:pPr algn="ctr"/>
                 <a:r>
-                  <a:rPr lang="en-US" sz="800" dirty="0" smtClean="0"/>
+                  <a:rPr lang="en-US" sz="800" dirty="0"/>
                   <a:t>EVENTS</a:t>
                 </a:r>
               </a:p>
@@ -8213,10 +8123,9 @@
             <a:lstStyle/>
             <a:p>
               <a:r>
-                <a:rPr lang="en-US" sz="1200" dirty="0" smtClean="0"/>
+                <a:rPr lang="en-US" sz="1200" dirty="0"/>
                 <a:t>R</a:t>
               </a:r>
-              <a:endParaRPr lang="en-US" sz="1200" dirty="0"/>
             </a:p>
           </p:txBody>
         </p:sp>
@@ -8278,10 +8187,9 @@
           <a:p>
             <a:pPr algn="ctr"/>
             <a:r>
-              <a:rPr lang="en-US" dirty="0" smtClean="0"/>
+              <a:rPr lang="en-US" dirty="0"/>
               <a:t>Off</a:t>
             </a:r>
-            <a:endParaRPr lang="en-US" dirty="0"/>
           </a:p>
         </p:txBody>
       </p:sp>
@@ -8309,10 +8217,9 @@
           <a:p>
             <a:pPr algn="ctr"/>
             <a:r>
-              <a:rPr lang="en-US" dirty="0" smtClean="0"/>
+              <a:rPr lang="en-US" dirty="0"/>
               <a:t>On</a:t>
             </a:r>
-            <a:endParaRPr lang="en-US" dirty="0"/>
           </a:p>
         </p:txBody>
       </p:sp>
@@ -8340,10 +8247,9 @@
           <a:p>
             <a:pPr algn="ctr"/>
             <a:r>
-              <a:rPr lang="en-US" u="sng" dirty="0" smtClean="0"/>
+              <a:rPr lang="en-US" u="sng" dirty="0"/>
               <a:t>State</a:t>
             </a:r>
-            <a:endParaRPr lang="en-US" u="sng" dirty="0"/>
           </a:p>
         </p:txBody>
       </p:sp>
@@ -8371,10 +8277,9 @@
           <a:p>
             <a:pPr algn="ctr"/>
             <a:r>
-              <a:rPr lang="en-US" dirty="0" smtClean="0"/>
+              <a:rPr lang="en-US" dirty="0"/>
               <a:t>Advertising</a:t>
             </a:r>
-            <a:endParaRPr lang="en-US" dirty="0"/>
           </a:p>
         </p:txBody>
       </p:sp>
@@ -8402,10 +8307,9 @@
           <a:p>
             <a:pPr algn="ctr"/>
             <a:r>
-              <a:rPr lang="en-US" dirty="0" smtClean="0"/>
+              <a:rPr lang="en-US" dirty="0"/>
               <a:t>Connected</a:t>
             </a:r>
-            <a:endParaRPr lang="en-US" dirty="0"/>
           </a:p>
         </p:txBody>
       </p:sp>
@@ -8466,10 +8370,9 @@
           <a:p>
             <a:pPr algn="ctr"/>
             <a:r>
-              <a:rPr lang="en-US" dirty="0" smtClean="0"/>
+              <a:rPr lang="en-US" dirty="0"/>
               <a:t>?</a:t>
             </a:r>
-            <a:endParaRPr lang="en-US" dirty="0"/>
           </a:p>
         </p:txBody>
       </p:sp>
@@ -8497,10 +8400,9 @@
           <a:p>
             <a:pPr algn="ctr"/>
             <a:r>
-              <a:rPr lang="en-US" dirty="0" smtClean="0"/>
+              <a:rPr lang="en-US" dirty="0"/>
               <a:t>?</a:t>
             </a:r>
-            <a:endParaRPr lang="en-US" dirty="0"/>
           </a:p>
         </p:txBody>
       </p:sp>
@@ -8528,10 +8430,9 @@
           <a:p>
             <a:pPr algn="ctr"/>
             <a:r>
-              <a:rPr lang="en-US" u="sng" dirty="0" smtClean="0"/>
+              <a:rPr lang="en-US" u="sng" dirty="0"/>
               <a:t>State</a:t>
             </a:r>
-            <a:endParaRPr lang="en-US" u="sng" dirty="0"/>
           </a:p>
         </p:txBody>
       </p:sp>
@@ -8559,10 +8460,9 @@
           <a:p>
             <a:pPr algn="ctr"/>
             <a:r>
-              <a:rPr lang="en-US" dirty="0" smtClean="0"/>
+              <a:rPr lang="en-US" dirty="0"/>
               <a:t>Scanning</a:t>
             </a:r>
-            <a:endParaRPr lang="en-US" dirty="0"/>
           </a:p>
         </p:txBody>
       </p:sp>
@@ -8590,10 +8490,9 @@
           <a:p>
             <a:pPr algn="ctr"/>
             <a:r>
-              <a:rPr lang="en-US" dirty="0" smtClean="0"/>
+              <a:rPr lang="en-US" dirty="0"/>
               <a:t>Connected</a:t>
             </a:r>
-            <a:endParaRPr lang="en-US" dirty="0"/>
           </a:p>
         </p:txBody>
       </p:sp>
@@ -8651,15 +8550,15 @@
               <a:lstStyle/>
               <a:p>
                 <a:r>
-                  <a:rPr lang="en-US" sz="1200" dirty="0" smtClean="0"/>
+                  <a:rPr lang="en-US" sz="1200" dirty="0"/>
                   <a:t>Stack </a:t>
                 </a:r>
                 <a:r>
-                  <a:rPr lang="mr-IN" sz="1200" dirty="0" smtClean="0"/>
+                  <a:rPr lang="mr-IN" sz="1200" dirty="0"/>
                   <a:t>–</a:t>
                 </a:r>
                 <a:r>
-                  <a:rPr lang="en-US" sz="1200" dirty="0" smtClean="0"/>
+                  <a:rPr lang="en-US" sz="1200" dirty="0"/>
                   <a:t> Bluetooth Stack</a:t>
                 </a:r>
               </a:p>
@@ -8693,10 +8592,9 @@
               <a:lstStyle/>
               <a:p>
                 <a:r>
-                  <a:rPr lang="en-US" sz="1200" dirty="0" smtClean="0"/>
+                  <a:rPr lang="en-US" sz="1200" dirty="0"/>
                   <a:t>S</a:t>
                 </a:r>
-                <a:endParaRPr lang="en-US" sz="1200" dirty="0"/>
               </a:p>
             </p:txBody>
           </p:sp>
@@ -8775,18 +8673,17 @@
               <a:lstStyle/>
               <a:p>
                 <a:r>
-                  <a:rPr lang="en-US" sz="1200" dirty="0" smtClean="0"/>
+                  <a:rPr lang="en-US" sz="1200" dirty="0"/>
                   <a:t>Radio </a:t>
                 </a:r>
                 <a:r>
-                  <a:rPr lang="mr-IN" sz="1200" dirty="0" smtClean="0"/>
+                  <a:rPr lang="mr-IN" sz="1200" dirty="0"/>
                   <a:t>–</a:t>
                 </a:r>
                 <a:r>
-                  <a:rPr lang="en-US" sz="1200" dirty="0" smtClean="0"/>
+                  <a:rPr lang="en-US" sz="1200" dirty="0"/>
                   <a:t> Bluetooth Radio</a:t>
                 </a:r>
-                <a:endParaRPr lang="en-US" sz="1200" dirty="0"/>
               </a:p>
             </p:txBody>
           </p:sp>
@@ -8833,10 +8730,9 @@
               <a:lstStyle/>
               <a:p>
                 <a:r>
-                  <a:rPr lang="en-US" sz="1200" dirty="0" smtClean="0"/>
+                  <a:rPr lang="en-US" sz="1200" dirty="0"/>
                   <a:t>A</a:t>
                 </a:r>
-                <a:endParaRPr lang="en-US" sz="1200" dirty="0"/>
               </a:p>
             </p:txBody>
           </p:sp>
@@ -8866,7 +8762,7 @@
               <a:lstStyle/>
               <a:p>
                 <a:r>
-                  <a:rPr lang="en-US" sz="1200" dirty="0" smtClean="0"/>
+                  <a:rPr lang="en-US" sz="1200" dirty="0"/>
                   <a:t>Application Firmware</a:t>
                 </a:r>
               </a:p>
@@ -8916,10 +8812,9 @@
             <a:lstStyle/>
             <a:p>
               <a:r>
-                <a:rPr lang="en-US" sz="1200" dirty="0" smtClean="0"/>
+                <a:rPr lang="en-US" sz="1200" dirty="0"/>
                 <a:t>A</a:t>
               </a:r>
-              <a:endParaRPr lang="en-US" sz="1200" dirty="0"/>
             </a:p>
           </p:txBody>
         </p:sp>
@@ -8951,10 +8846,9 @@
             <a:lstStyle/>
             <a:p>
               <a:r>
-                <a:rPr lang="en-US" sz="1200" dirty="0" smtClean="0"/>
+                <a:rPr lang="en-US" sz="1200" dirty="0"/>
                 <a:t>S</a:t>
               </a:r>
-              <a:endParaRPr lang="en-US" sz="1200" dirty="0"/>
             </a:p>
           </p:txBody>
         </p:sp>
@@ -8986,10 +8880,9 @@
             <a:lstStyle/>
             <a:p>
               <a:r>
-                <a:rPr lang="en-US" sz="1200" dirty="0" smtClean="0"/>
+                <a:rPr lang="en-US" sz="1200" dirty="0"/>
                 <a:t>R</a:t>
               </a:r>
-              <a:endParaRPr lang="en-US" sz="1200" dirty="0"/>
             </a:p>
           </p:txBody>
         </p:sp>
@@ -9052,7 +8945,7 @@
             <a:p>
               <a:pPr algn="ctr"/>
               <a:r>
-                <a:rPr lang="en-US" sz="800" dirty="0" smtClean="0"/>
+                <a:rPr lang="en-US" sz="800" dirty="0"/>
                 <a:t>API</a:t>
               </a:r>
             </a:p>
@@ -9132,7 +9025,7 @@
               <a:p>
                 <a:pPr algn="ctr"/>
                 <a:r>
-                  <a:rPr lang="en-US" sz="800" dirty="0" smtClean="0"/>
+                  <a:rPr lang="en-US" sz="800" dirty="0"/>
                   <a:t>EVENTS</a:t>
                 </a:r>
               </a:p>
@@ -9250,10 +9143,9 @@
             <a:lstStyle/>
             <a:p>
               <a:r>
-                <a:rPr lang="en-US" sz="1200" dirty="0" smtClean="0"/>
+                <a:rPr lang="en-US" sz="1200" dirty="0"/>
                 <a:t>A</a:t>
               </a:r>
-              <a:endParaRPr lang="en-US" sz="1200" dirty="0"/>
             </a:p>
           </p:txBody>
         </p:sp>
@@ -9317,7 +9209,7 @@
             <a:p>
               <a:pPr algn="ctr"/>
               <a:r>
-                <a:rPr lang="en-US" sz="800" dirty="0" smtClean="0"/>
+                <a:rPr lang="en-US" sz="800" dirty="0"/>
                 <a:t>API</a:t>
               </a:r>
             </a:p>
@@ -9397,7 +9289,7 @@
               <a:p>
                 <a:pPr algn="ctr"/>
                 <a:r>
-                  <a:rPr lang="en-US" sz="800" dirty="0" smtClean="0"/>
+                  <a:rPr lang="en-US" sz="800" dirty="0"/>
                   <a:t>EVENTS</a:t>
                 </a:r>
               </a:p>
@@ -9466,10 +9358,9 @@
             <a:lstStyle/>
             <a:p>
               <a:r>
-                <a:rPr lang="en-US" sz="1200" dirty="0" smtClean="0"/>
+                <a:rPr lang="en-US" sz="1200" dirty="0"/>
                 <a:t>R</a:t>
               </a:r>
-              <a:endParaRPr lang="en-US" sz="1200" dirty="0"/>
             </a:p>
           </p:txBody>
         </p:sp>
@@ -9567,7 +9458,7 @@
           <a:lstStyle/>
           <a:p>
             <a:r>
-              <a:rPr lang="en-US" sz="800" dirty="0" smtClean="0">
+              <a:rPr lang="en-US" sz="800" dirty="0">
                 <a:sym typeface="Wingdings"/>
               </a:rPr>
               <a:t> BTM_ENABLED_EVT</a:t>
@@ -9575,18 +9466,18 @@
           </a:p>
           <a:p>
             <a:r>
-              <a:rPr lang="en-US" sz="800" dirty="0" err="1" smtClean="0">
+              <a:rPr lang="en-US" sz="800" dirty="0" err="1">
                 <a:sym typeface="Wingdings"/>
               </a:rPr>
               <a:t>wiced_bt_app_init</a:t>
             </a:r>
-            <a:endParaRPr lang="en-US" sz="800" dirty="0" smtClean="0">
+            <a:endParaRPr lang="en-US" sz="800" dirty="0">
               <a:sym typeface="Wingdings"/>
             </a:endParaRPr>
           </a:p>
           <a:p>
             <a:r>
-              <a:rPr lang="en-US" sz="800" dirty="0" err="1" smtClean="0">
+              <a:rPr lang="en-US" sz="800" dirty="0" err="1">
                 <a:sym typeface="Wingdings"/>
               </a:rPr>
               <a:t>wiced_bt_gatt_register</a:t>
@@ -9597,17 +9488,17 @@
           </a:p>
           <a:p>
             <a:r>
-              <a:rPr lang="en-US" sz="800" dirty="0" err="1" smtClean="0"/>
+              <a:rPr lang="en-US" sz="800" dirty="0" err="1"/>
               <a:t>wiced_bt_ble_set_raw_advertisement_data</a:t>
             </a:r>
-            <a:endParaRPr lang="en-US" sz="800" dirty="0" smtClean="0"/>
-          </a:p>
-          <a:p>
-            <a:r>
-              <a:rPr lang="en-US" sz="800" dirty="0" err="1" smtClean="0"/>
+            <a:endParaRPr lang="en-US" sz="800" dirty="0"/>
+          </a:p>
+          <a:p>
+            <a:r>
+              <a:rPr lang="en-US" sz="800" dirty="0" err="1"/>
               <a:t>wiced_bt_start_advertisements</a:t>
             </a:r>
-            <a:endParaRPr lang="en-US" sz="800" dirty="0" smtClean="0"/>
+            <a:endParaRPr lang="en-US" sz="800" dirty="0"/>
           </a:p>
         </p:txBody>
       </p:sp>
@@ -9674,122 +9565,101 @@
           <a:lstStyle/>
           <a:p>
             <a:r>
-              <a:rPr lang="en-US" sz="800" b="1" u="sng" dirty="0" smtClean="0">
+              <a:rPr lang="en-US" sz="800" b="1" u="sng" dirty="0">
                 <a:sym typeface="Wingdings"/>
               </a:rPr>
               <a:t>Advertising Packet </a:t>
             </a:r>
             <a:r>
-              <a:rPr lang="mr-IN" sz="800" b="1" u="sng" dirty="0" smtClean="0">
+              <a:rPr lang="mr-IN" sz="800" b="1" u="sng" dirty="0">
                 <a:sym typeface="Wingdings"/>
               </a:rPr>
               <a:t>–</a:t>
             </a:r>
             <a:r>
-              <a:rPr lang="en-US" sz="800" b="1" u="sng" dirty="0" smtClean="0">
+              <a:rPr lang="en-US" sz="800" b="1" u="sng" dirty="0">
+                <a:sym typeface="Wingdings"/>
+              </a:rPr>
+              <a:t> up to 37 bytes</a:t>
+            </a:r>
+          </a:p>
+          <a:p>
+            <a:r>
+              <a:rPr lang="en-US" sz="800" dirty="0">
+                <a:sym typeface="Wingdings"/>
+              </a:rPr>
+              <a:t>BDADDR </a:t>
+            </a:r>
+            <a:r>
+              <a:rPr lang="mr-IN" sz="800" dirty="0">
+                <a:sym typeface="Wingdings"/>
+              </a:rPr>
+              <a:t>–</a:t>
+            </a:r>
+            <a:r>
+              <a:rPr lang="en-US" sz="800" dirty="0">
+                <a:sym typeface="Wingdings"/>
+              </a:rPr>
+              <a:t> Bluetooth Address</a:t>
+            </a:r>
+          </a:p>
+          <a:p>
+            <a:r>
+              <a:rPr lang="en-US" sz="800" dirty="0">
+                <a:sym typeface="Wingdings"/>
+              </a:rPr>
+              <a:t>Flags Connectable, Scannable</a:t>
+            </a:r>
+          </a:p>
+          <a:p>
+            <a:r>
+              <a:rPr lang="en-US" sz="800" u="sng" dirty="0">
+                <a:sym typeface="Wingdings"/>
+              </a:rPr>
+              <a:t>Optional Fields</a:t>
+            </a:r>
+            <a:r>
+              <a:rPr lang="mr-IN" sz="800" u="sng" dirty="0">
+                <a:sym typeface="Wingdings"/>
+              </a:rPr>
+              <a:t>…</a:t>
+            </a:r>
+            <a:endParaRPr lang="en-US" sz="800" u="sng" dirty="0">
+              <a:sym typeface="Wingdings"/>
+            </a:endParaRPr>
+          </a:p>
+          <a:p>
+            <a:r>
+              <a:rPr lang="en-US" sz="800" dirty="0">
+                <a:sym typeface="Wingdings"/>
+              </a:rPr>
+              <a:t>Name</a:t>
+            </a:r>
+          </a:p>
+          <a:p>
+            <a:r>
+              <a:rPr lang="en-US" sz="800" dirty="0">
+                <a:sym typeface="Wingdings"/>
+              </a:rPr>
+              <a:t>Available Services</a:t>
+            </a:r>
+          </a:p>
+          <a:p>
+            <a:r>
+              <a:rPr lang="en-US" sz="800" dirty="0">
+                <a:sym typeface="Wingdings"/>
+              </a:rPr>
+              <a:t>Vendor Specific Data</a:t>
+            </a:r>
+          </a:p>
+          <a:p>
+            <a:r>
+              <a:rPr lang="en-US" sz="800" dirty="0">
                 <a:sym typeface="Wingdings"/>
               </a:rPr>
               <a:t> </a:t>
             </a:r>
-            <a:r>
-              <a:rPr lang="en-US" sz="800" b="1" u="sng" dirty="0" err="1" smtClean="0">
-                <a:sym typeface="Wingdings"/>
-              </a:rPr>
-              <a:t>upto</a:t>
-            </a:r>
-            <a:r>
-              <a:rPr lang="en-US" sz="800" b="1" u="sng" dirty="0" smtClean="0">
-                <a:sym typeface="Wingdings"/>
-              </a:rPr>
-              <a:t> 37 bytes</a:t>
-            </a:r>
-          </a:p>
-          <a:p>
-            <a:r>
-              <a:rPr lang="en-US" sz="800" dirty="0" smtClean="0">
-                <a:sym typeface="Wingdings"/>
-              </a:rPr>
-              <a:t>BDADDR </a:t>
-            </a:r>
-            <a:r>
-              <a:rPr lang="mr-IN" sz="800" dirty="0" smtClean="0">
-                <a:sym typeface="Wingdings"/>
-              </a:rPr>
-              <a:t>–</a:t>
-            </a:r>
-            <a:r>
-              <a:rPr lang="en-US" sz="800" dirty="0" smtClean="0">
-                <a:sym typeface="Wingdings"/>
-              </a:rPr>
-              <a:t> Bluetooth Address</a:t>
-            </a:r>
-          </a:p>
-          <a:p>
-            <a:r>
-              <a:rPr lang="en-US" sz="800" dirty="0" smtClean="0">
-                <a:sym typeface="Wingdings"/>
-              </a:rPr>
-              <a:t>Flags Connectable, </a:t>
-            </a:r>
-            <a:r>
-              <a:rPr lang="en-US" sz="800" dirty="0" err="1" smtClean="0">
-                <a:sym typeface="Wingdings"/>
-              </a:rPr>
-              <a:t>Scanable</a:t>
-            </a:r>
-            <a:endParaRPr lang="en-US" sz="800" dirty="0" smtClean="0">
-              <a:sym typeface="Wingdings"/>
-            </a:endParaRPr>
-          </a:p>
-          <a:p>
-            <a:r>
-              <a:rPr lang="en-US" sz="800" u="sng" dirty="0" smtClean="0">
-                <a:sym typeface="Wingdings"/>
-              </a:rPr>
-              <a:t>Optional Fields</a:t>
-            </a:r>
-            <a:r>
-              <a:rPr lang="mr-IN" sz="800" u="sng" dirty="0" smtClean="0">
-                <a:sym typeface="Wingdings"/>
-              </a:rPr>
-              <a:t>…</a:t>
-            </a:r>
-            <a:endParaRPr lang="en-US" sz="800" u="sng" dirty="0" smtClean="0">
-              <a:sym typeface="Wingdings"/>
-            </a:endParaRPr>
-          </a:p>
-          <a:p>
-            <a:r>
-              <a:rPr lang="en-US" sz="800" dirty="0" smtClean="0">
-                <a:sym typeface="Wingdings"/>
-              </a:rPr>
-              <a:t>Name</a:t>
-            </a:r>
-          </a:p>
-          <a:p>
-            <a:r>
-              <a:rPr lang="en-US" sz="800" dirty="0" smtClean="0">
-                <a:sym typeface="Wingdings"/>
-              </a:rPr>
-              <a:t>Available Services</a:t>
-            </a:r>
-          </a:p>
-          <a:p>
-            <a:r>
-              <a:rPr lang="en-US" sz="800" dirty="0" smtClean="0">
-                <a:sym typeface="Wingdings"/>
-              </a:rPr>
-              <a:t>Vendor Specific Data</a:t>
-            </a:r>
-          </a:p>
-          <a:p>
-            <a:r>
-              <a:rPr lang="en-US" sz="800" dirty="0" smtClean="0">
-                <a:sym typeface="Wingdings"/>
-              </a:rPr>
-              <a:t> </a:t>
-            </a:r>
-            <a:endParaRPr lang="en-US" sz="800" dirty="0" smtClean="0"/>
+            <a:endParaRPr lang="en-US" sz="800" dirty="0"/>
           </a:p>
         </p:txBody>
       </p:sp>
@@ -9903,13 +9773,13 @@
             <a:lstStyle/>
             <a:p>
               <a:r>
-                <a:rPr lang="en-US" sz="800" dirty="0" err="1" smtClean="0">
+                <a:rPr lang="en-US" sz="800" dirty="0" err="1">
                   <a:sym typeface="Wingdings"/>
                 </a:rPr>
                 <a:t>Adv</a:t>
               </a:r>
               <a:r>
-                <a:rPr lang="en-US" sz="800" dirty="0" smtClean="0">
+                <a:rPr lang="en-US" sz="800" dirty="0">
                   <a:sym typeface="Wingdings"/>
                 </a:rPr>
                 <a:t> Packet</a:t>
@@ -9917,12 +9787,12 @@
             </a:p>
             <a:p>
               <a:r>
-                <a:rPr lang="en-US" sz="800" dirty="0" smtClean="0">
+                <a:rPr lang="en-US" sz="800" dirty="0">
                   <a:sym typeface="Wingdings"/>
                 </a:rPr>
                 <a:t> </a:t>
               </a:r>
-              <a:endParaRPr lang="en-US" sz="800" dirty="0" smtClean="0"/>
+              <a:endParaRPr lang="en-US" sz="800" dirty="0"/>
             </a:p>
           </p:txBody>
         </p:sp>
@@ -9969,10 +9839,9 @@
             <a:lstStyle/>
             <a:p>
               <a:r>
-                <a:rPr lang="en-US" sz="1200" dirty="0" smtClean="0"/>
+                <a:rPr lang="en-US" sz="1200" dirty="0"/>
                 <a:t>A</a:t>
               </a:r>
-              <a:endParaRPr lang="en-US" sz="1200" dirty="0"/>
             </a:p>
           </p:txBody>
         </p:sp>
@@ -10004,10 +9873,9 @@
             <a:lstStyle/>
             <a:p>
               <a:r>
-                <a:rPr lang="en-US" sz="1200" dirty="0" smtClean="0"/>
+                <a:rPr lang="en-US" sz="1200" dirty="0"/>
                 <a:t>S</a:t>
               </a:r>
-              <a:endParaRPr lang="en-US" sz="1200" dirty="0"/>
             </a:p>
           </p:txBody>
         </p:sp>
@@ -10039,10 +9907,9 @@
             <a:lstStyle/>
             <a:p>
               <a:r>
-                <a:rPr lang="en-US" sz="1200" dirty="0" smtClean="0"/>
+                <a:rPr lang="en-US" sz="1200" dirty="0"/>
                 <a:t>R</a:t>
               </a:r>
-              <a:endParaRPr lang="en-US" sz="1200" dirty="0"/>
             </a:p>
           </p:txBody>
         </p:sp>
@@ -10105,7 +9972,7 @@
             <a:p>
               <a:pPr algn="ctr"/>
               <a:r>
-                <a:rPr lang="en-US" sz="800" dirty="0" smtClean="0"/>
+                <a:rPr lang="en-US" sz="800" dirty="0"/>
                 <a:t>API</a:t>
               </a:r>
             </a:p>
@@ -10185,7 +10052,7 @@
               <a:p>
                 <a:pPr algn="ctr"/>
                 <a:r>
-                  <a:rPr lang="en-US" sz="800" dirty="0" smtClean="0"/>
+                  <a:rPr lang="en-US" sz="800" dirty="0"/>
                   <a:t>EVENTS</a:t>
                 </a:r>
               </a:p>
@@ -10303,10 +10170,9 @@
             <a:lstStyle/>
             <a:p>
               <a:r>
-                <a:rPr lang="en-US" sz="1200" dirty="0" smtClean="0"/>
+                <a:rPr lang="en-US" sz="1200" dirty="0"/>
                 <a:t>A</a:t>
               </a:r>
-              <a:endParaRPr lang="en-US" sz="1200" dirty="0"/>
             </a:p>
           </p:txBody>
         </p:sp>
@@ -10370,7 +10236,7 @@
             <a:p>
               <a:pPr algn="ctr"/>
               <a:r>
-                <a:rPr lang="en-US" sz="800" dirty="0" smtClean="0"/>
+                <a:rPr lang="en-US" sz="800" dirty="0"/>
                 <a:t>API</a:t>
               </a:r>
             </a:p>
@@ -10450,7 +10316,7 @@
               <a:p>
                 <a:pPr algn="ctr"/>
                 <a:r>
-                  <a:rPr lang="en-US" sz="800" dirty="0" smtClean="0"/>
+                  <a:rPr lang="en-US" sz="800" dirty="0"/>
                   <a:t>EVENTS</a:t>
                 </a:r>
               </a:p>
@@ -10519,10 +10385,9 @@
             <a:lstStyle/>
             <a:p>
               <a:r>
-                <a:rPr lang="en-US" sz="1200" dirty="0" smtClean="0"/>
+                <a:rPr lang="en-US" sz="1200" dirty="0"/>
                 <a:t>R</a:t>
               </a:r>
-              <a:endParaRPr lang="en-US" sz="1200" dirty="0"/>
             </a:p>
           </p:txBody>
         </p:sp>
@@ -10566,10 +10431,10 @@
             <a:lstStyle/>
             <a:p>
               <a:r>
-                <a:rPr lang="en-US" sz="800" smtClean="0"/>
+                <a:rPr lang="en-US" sz="800"/>
                 <a:t>CONNECT_REQ</a:t>
               </a:r>
-              <a:endParaRPr lang="en-US" sz="800" dirty="0" smtClean="0"/>
+              <a:endParaRPr lang="en-US" sz="800" dirty="0"/>
             </a:p>
           </p:txBody>
         </p:sp>
@@ -10681,7 +10546,7 @@
             <a:lstStyle/>
             <a:p>
               <a:r>
-                <a:rPr lang="en-US" sz="800" dirty="0" smtClean="0"/>
+                <a:rPr lang="en-US" sz="800" dirty="0"/>
                 <a:t>CONNECT_RSP</a:t>
               </a:r>
             </a:p>
@@ -10779,7 +10644,7 @@
           <a:lstStyle/>
           <a:p>
             <a:r>
-              <a:rPr lang="en-US" sz="800" dirty="0" smtClean="0"/>
+              <a:rPr lang="en-US" sz="800" dirty="0"/>
               <a:t>Central App Initiates a Connection</a:t>
             </a:r>
           </a:p>
@@ -10878,7 +10743,7 @@
           <a:lstStyle/>
           <a:p>
             <a:r>
-              <a:rPr lang="en-US" sz="800" dirty="0" smtClean="0">
+              <a:rPr lang="en-US" sz="800" dirty="0">
                 <a:sym typeface="Wingdings"/>
               </a:rPr>
               <a:t> GATT_CONNECTION_STATUS_EVT</a:t>
@@ -10886,7 +10751,7 @@
           </a:p>
           <a:p>
             <a:r>
-              <a:rPr lang="en-US" sz="800" dirty="0" smtClean="0">
+              <a:rPr lang="en-US" sz="800" dirty="0">
                 <a:sym typeface="Wingdings"/>
               </a:rPr>
               <a:t> BTM_BLE_ADVERT_STATE_CHANGED_EVT</a:t>
@@ -10935,8 +10800,8 @@
         </p:nvSpPr>
         <p:spPr>
           <a:xfrm>
-            <a:off x="1289601" y="5486403"/>
-            <a:ext cx="1114409" cy="646331"/>
+            <a:off x="1317718" y="5486403"/>
+            <a:ext cx="1058175" cy="646331"/>
           </a:xfrm>
           <a:prstGeom prst="rect">
             <a:avLst/>
@@ -10956,17 +10821,16 @@
           <a:p>
             <a:pPr algn="ctr"/>
             <a:r>
-              <a:rPr lang="en-US" dirty="0" smtClean="0"/>
+              <a:rPr lang="en-US" dirty="0"/>
               <a:t>GATT</a:t>
             </a:r>
           </a:p>
           <a:p>
             <a:pPr algn="ctr"/>
             <a:r>
-              <a:rPr lang="en-US" dirty="0" smtClean="0"/>
-              <a:t>Data Base</a:t>
-            </a:r>
-            <a:endParaRPr lang="en-US" dirty="0"/>
+              <a:rPr lang="en-US" dirty="0"/>
+              <a:t>Database</a:t>
+            </a:r>
           </a:p>
         </p:txBody>
       </p:sp>
@@ -11030,7 +10894,7 @@
           <a:lstStyle/>
           <a:p>
             <a:r>
-              <a:rPr lang="en-US" sz="800" dirty="0" smtClean="0"/>
+              <a:rPr lang="en-US" sz="800" dirty="0"/>
               <a:t>Central App initiates a Read Attribute</a:t>
             </a:r>
           </a:p>
@@ -11064,7 +10928,6 @@
               <a:rPr lang="en-US" sz="800" dirty="0"/>
               <a:t>GATTS_REQ_TYPE_READ</a:t>
             </a:r>
-            <a:endParaRPr lang="en-US" sz="800" dirty="0" smtClean="0"/>
           </a:p>
         </p:txBody>
       </p:sp>
@@ -11093,7 +10956,7 @@
           <a:lstStyle/>
           <a:p>
             <a:r>
-              <a:rPr lang="en-US" sz="800" dirty="0" smtClean="0"/>
+              <a:rPr lang="en-US" sz="800" dirty="0"/>
               <a:t>READ_REQ</a:t>
             </a:r>
           </a:p>
@@ -11175,8 +11038,8 @@
         </p:nvSpPr>
         <p:spPr>
           <a:xfrm>
-            <a:off x="66242" y="6634029"/>
-            <a:ext cx="1114409" cy="646331"/>
+            <a:off x="94359" y="6634029"/>
+            <a:ext cx="1058175" cy="646331"/>
           </a:xfrm>
           <a:prstGeom prst="rect">
             <a:avLst/>
@@ -11196,17 +11059,16 @@
           <a:p>
             <a:pPr algn="ctr"/>
             <a:r>
-              <a:rPr lang="en-US" dirty="0" smtClean="0"/>
+              <a:rPr lang="en-US" dirty="0"/>
               <a:t>GATT</a:t>
             </a:r>
           </a:p>
           <a:p>
             <a:pPr algn="ctr"/>
             <a:r>
-              <a:rPr lang="en-US" dirty="0" smtClean="0"/>
-              <a:t>Data Base</a:t>
-            </a:r>
-            <a:endParaRPr lang="en-US" dirty="0"/>
+              <a:rPr lang="en-US" dirty="0"/>
+              <a:t>Database</a:t>
+            </a:r>
           </a:p>
         </p:txBody>
       </p:sp>
@@ -11235,13 +11097,13 @@
           <a:lstStyle/>
           <a:p>
             <a:r>
-              <a:rPr lang="en-US" sz="800" dirty="0" smtClean="0"/>
+              <a:rPr lang="en-US" sz="800" dirty="0"/>
               <a:t>Service Discovery</a:t>
             </a:r>
           </a:p>
           <a:p>
             <a:r>
-              <a:rPr lang="en-US" sz="800" dirty="0" smtClean="0"/>
+              <a:rPr lang="en-US" sz="800" dirty="0"/>
               <a:t>Permission &amp; Handle Validation</a:t>
             </a:r>
           </a:p>
@@ -11309,7 +11171,7 @@
           <a:lstStyle/>
           <a:p>
             <a:r>
-              <a:rPr lang="en-US" sz="800" dirty="0" smtClean="0"/>
+              <a:rPr lang="en-US" sz="800" dirty="0"/>
               <a:t>READ_RSP</a:t>
             </a:r>
           </a:p>
@@ -11340,7 +11202,7 @@
           <a:lstStyle/>
           <a:p>
             <a:r>
-              <a:rPr lang="en-US" sz="800" dirty="0" smtClean="0"/>
+              <a:rPr lang="en-US" sz="800" dirty="0"/>
               <a:t>Read Handler</a:t>
             </a:r>
           </a:p>
@@ -11471,7 +11333,7 @@
           <a:lstStyle/>
           <a:p>
             <a:r>
-              <a:rPr lang="en-US" sz="800" dirty="0" smtClean="0"/>
+              <a:rPr lang="en-US" sz="800" dirty="0"/>
               <a:t>Central App Initiates a Write of Attribute</a:t>
             </a:r>
           </a:p>
@@ -11502,7 +11364,7 @@
           <a:lstStyle/>
           <a:p>
             <a:r>
-              <a:rPr lang="en-US" sz="800" dirty="0" smtClean="0"/>
+              <a:rPr lang="en-US" sz="800" dirty="0"/>
               <a:t>GATTS_REQ_TYPE_WRITE</a:t>
             </a:r>
           </a:p>
@@ -11533,7 +11395,7 @@
           <a:lstStyle/>
           <a:p>
             <a:r>
-              <a:rPr lang="en-US" sz="800" dirty="0" smtClean="0"/>
+              <a:rPr lang="en-US" sz="800" dirty="0"/>
               <a:t>WRITE_REQ</a:t>
             </a:r>
           </a:p>
@@ -11632,7 +11494,7 @@
           <a:lstStyle/>
           <a:p>
             <a:r>
-              <a:rPr lang="en-US" sz="800" dirty="0" smtClean="0"/>
+              <a:rPr lang="en-US" sz="800" dirty="0"/>
               <a:t>WRITE_RSP</a:t>
             </a:r>
           </a:p>
@@ -11663,7 +11525,7 @@
           <a:lstStyle/>
           <a:p>
             <a:r>
-              <a:rPr lang="en-US" sz="800" dirty="0" smtClean="0"/>
+              <a:rPr lang="en-US" sz="800" dirty="0"/>
               <a:t>Write Handler</a:t>
             </a:r>
           </a:p>
@@ -11748,8 +11610,8 @@
         </p:nvCxnSpPr>
         <p:spPr>
           <a:xfrm>
-            <a:off x="1180651" y="6957195"/>
-            <a:ext cx="510418" cy="190652"/>
+            <a:off x="1152534" y="6957195"/>
+            <a:ext cx="538535" cy="190652"/>
           </a:xfrm>
           <a:prstGeom prst="straightConnector1">
             <a:avLst/>
@@ -11797,7 +11659,7 @@
           <a:lstStyle/>
           <a:p>
             <a:r>
-              <a:rPr lang="en-US" sz="800" dirty="0" smtClean="0"/>
+              <a:rPr lang="en-US" sz="800" dirty="0"/>
               <a:t>Central Receive Confirmation of Write</a:t>
             </a:r>
           </a:p>
@@ -11826,39 +11688,8 @@
           <a:lstStyle/>
           <a:p>
             <a:r>
-              <a:rPr lang="en-US" sz="800" dirty="0" smtClean="0"/>
+              <a:rPr lang="en-US" sz="800" dirty="0"/>
               <a:t>Central Receive Confirmation &amp; Data</a:t>
-            </a:r>
-          </a:p>
-        </p:txBody>
-      </p:sp>
-      <p:sp>
-        <p:nvSpPr>
-          <p:cNvPr id="193" name="TextBox 192"/>
-          <p:cNvSpPr txBox="1"/>
-          <p:nvPr/>
-        </p:nvSpPr>
-        <p:spPr>
-          <a:xfrm>
-            <a:off x="3395208" y="7377099"/>
-            <a:ext cx="807659" cy="183226"/>
-          </a:xfrm>
-          <a:prstGeom prst="rect">
-            <a:avLst/>
-          </a:prstGeom>
-          <a:solidFill>
-            <a:schemeClr val="bg1"/>
-          </a:solidFill>
-        </p:spPr>
-        <p:txBody>
-          <a:bodyPr wrap="square" lIns="45720" tIns="0" rIns="45720" bIns="0" rtlCol="0" anchor="ctr" anchorCtr="1">
-            <a:noAutofit/>
-          </a:bodyPr>
-          <a:lstStyle/>
-          <a:p>
-            <a:r>
-              <a:rPr lang="en-US" sz="800" dirty="0" smtClean="0"/>
-              <a:t>NOTIFICATION</a:t>
             </a:r>
           </a:p>
         </p:txBody>
@@ -11888,10 +11719,10 @@
           <a:lstStyle/>
           <a:p>
             <a:r>
-              <a:rPr lang="en-US" sz="800" dirty="0" err="1" smtClean="0"/>
+              <a:rPr lang="en-US" sz="800" dirty="0" err="1"/>
               <a:t>wiced_bt_gatt_send_notification</a:t>
             </a:r>
-            <a:endParaRPr lang="en-US" sz="800" dirty="0" smtClean="0"/>
+            <a:endParaRPr lang="en-US" sz="800" dirty="0"/>
           </a:p>
         </p:txBody>
       </p:sp>
@@ -11954,7 +11785,7 @@
           <a:lstStyle/>
           <a:p>
             <a:r>
-              <a:rPr lang="en-US" sz="800" dirty="0" smtClean="0"/>
+              <a:rPr lang="en-US" sz="800" dirty="0"/>
               <a:t>Central Receives Notification</a:t>
             </a:r>
           </a:p>
@@ -12019,7 +11850,7 @@
           <a:lstStyle/>
           <a:p>
             <a:r>
-              <a:rPr lang="en-US" sz="800" dirty="0" smtClean="0"/>
+              <a:rPr lang="en-US" sz="800" dirty="0"/>
               <a:t>INDICATION</a:t>
             </a:r>
           </a:p>
@@ -12053,7 +11884,7 @@
               <a:rPr lang="en-US" sz="800"/>
               <a:t>wiced_bt_gatt_send_indication</a:t>
             </a:r>
-            <a:endParaRPr lang="en-US" sz="800" dirty="0" smtClean="0"/>
+            <a:endParaRPr lang="en-US" sz="800" dirty="0"/>
           </a:p>
         </p:txBody>
       </p:sp>
@@ -12116,7 +11947,7 @@
           <a:lstStyle/>
           <a:p>
             <a:r>
-              <a:rPr lang="en-US" sz="800" dirty="0" smtClean="0"/>
+              <a:rPr lang="en-US" sz="800" dirty="0"/>
               <a:t>Central Receives Indication</a:t>
             </a:r>
           </a:p>
@@ -12179,16 +12010,8 @@
           <a:lstStyle/>
           <a:p>
             <a:r>
-              <a:rPr lang="en-US" sz="800" dirty="0" smtClean="0"/>
-              <a:t>Central </a:t>
-            </a:r>
-            <a:r>
               <a:rPr lang="en-US" sz="800" dirty="0"/>
-              <a:t> </a:t>
-            </a:r>
-            <a:r>
-              <a:rPr lang="en-US" sz="800" dirty="0" smtClean="0"/>
-              <a:t>Sends Handle Value Confirmation</a:t>
+              <a:t>Central  Sends Handle Value Confirmation</a:t>
             </a:r>
           </a:p>
         </p:txBody>
@@ -12221,7 +12044,6 @@
               <a:rPr lang="en-US" sz="800" dirty="0"/>
               <a:t>GATTS_REQ_TYPE_CONF</a:t>
             </a:r>
-            <a:endParaRPr lang="en-US" sz="800" dirty="0" smtClean="0"/>
           </a:p>
         </p:txBody>
       </p:sp>
@@ -12250,7 +12072,7 @@
           <a:lstStyle/>
           <a:p>
             <a:r>
-              <a:rPr lang="en-US" sz="800" dirty="0" smtClean="0"/>
+              <a:rPr lang="en-US" sz="800" dirty="0"/>
               <a:t>CONFIRMATION</a:t>
             </a:r>
           </a:p>
@@ -12348,7 +12170,7 @@
           <a:p>
             <a:pPr algn="ctr"/>
             <a:r>
-              <a:rPr lang="en-US" smtClean="0"/>
+              <a:rPr lang="en-US"/>
               <a:t>Read</a:t>
             </a:r>
             <a:endParaRPr lang="en-US" dirty="0"/>
@@ -12379,10 +12201,9 @@
           <a:p>
             <a:pPr algn="ctr"/>
             <a:r>
-              <a:rPr lang="en-US" dirty="0" smtClean="0"/>
+              <a:rPr lang="en-US" dirty="0"/>
               <a:t>Write</a:t>
             </a:r>
-            <a:endParaRPr lang="en-US" dirty="0"/>
           </a:p>
         </p:txBody>
       </p:sp>
@@ -12410,7 +12231,7 @@
           <a:p>
             <a:pPr algn="ctr"/>
             <a:r>
-              <a:rPr lang="en-US" smtClean="0"/>
+              <a:rPr lang="en-US"/>
               <a:t>Notify</a:t>
             </a:r>
             <a:endParaRPr lang="en-US" dirty="0"/>
@@ -12441,10 +12262,40 @@
           <a:p>
             <a:pPr algn="ctr"/>
             <a:r>
-              <a:rPr lang="en-US" dirty="0" smtClean="0"/>
+              <a:rPr lang="en-US" dirty="0"/>
               <a:t>Indicate</a:t>
             </a:r>
-            <a:endParaRPr lang="en-US" dirty="0"/>
+          </a:p>
+        </p:txBody>
+      </p:sp>
+      <p:sp>
+        <p:nvSpPr>
+          <p:cNvPr id="193" name="TextBox 192"/>
+          <p:cNvSpPr txBox="1"/>
+          <p:nvPr/>
+        </p:nvSpPr>
+        <p:spPr>
+          <a:xfrm>
+            <a:off x="3395208" y="7377099"/>
+            <a:ext cx="807659" cy="183226"/>
+          </a:xfrm>
+          <a:prstGeom prst="rect">
+            <a:avLst/>
+          </a:prstGeom>
+          <a:solidFill>
+            <a:schemeClr val="bg1"/>
+          </a:solidFill>
+        </p:spPr>
+        <p:txBody>
+          <a:bodyPr wrap="square" lIns="45720" tIns="0" rIns="45720" bIns="0" rtlCol="0" anchor="ctr" anchorCtr="1">
+            <a:noAutofit/>
+          </a:bodyPr>
+          <a:lstStyle/>
+          <a:p>
+            <a:r>
+              <a:rPr lang="en-US" sz="800" dirty="0"/>
+              <a:t>NOTIFICATION</a:t>
+            </a:r>
           </a:p>
         </p:txBody>
       </p:sp>
@@ -12458,13 +12309,6 @@
   <p:clrMapOvr>
     <a:masterClrMapping/>
   </p:clrMapOvr>
-  <p:timing>
-    <p:tnLst>
-      <p:par>
-        <p:cTn id="1" dur="indefinite" restart="never" nodeType="tmRoot"/>
-      </p:par>
-    </p:tnLst>
-  </p:timing>
 </p:sld>
 </file>
 
@@ -12509,11 +12353,7 @@
           <a:p>
             <a:r>
               <a:rPr lang="en-US" dirty="0" err="1"/>
-              <a:t>a</a:t>
-            </a:r>
-            <a:r>
-              <a:rPr lang="en-US" dirty="0" err="1" smtClean="0"/>
-              <a:t>pplication_start</a:t>
+              <a:t>application_start</a:t>
             </a:r>
             <a:endParaRPr lang="en-US" dirty="0"/>
           </a:p>
@@ -12576,11 +12416,11 @@
           <a:lstStyle/>
           <a:p>
             <a:r>
-              <a:rPr lang="en-US" dirty="0" smtClean="0"/>
+              <a:rPr lang="en-US" dirty="0"/>
               <a:t>_</a:t>
             </a:r>
             <a:r>
-              <a:rPr lang="en-US" dirty="0" err="1" smtClean="0"/>
+              <a:rPr lang="en-US" dirty="0" err="1"/>
               <a:t>app_init</a:t>
             </a:r>
             <a:endParaRPr lang="en-US" dirty="0"/>
@@ -12610,11 +12450,11 @@
           <a:lstStyle/>
           <a:p>
             <a:r>
-              <a:rPr lang="en-US" dirty="0" smtClean="0"/>
+              <a:rPr lang="en-US" dirty="0"/>
               <a:t>_</a:t>
             </a:r>
             <a:r>
-              <a:rPr lang="en-US" dirty="0" err="1" smtClean="0"/>
+              <a:rPr lang="en-US" dirty="0" err="1"/>
               <a:t>event_handler</a:t>
             </a:r>
             <a:endParaRPr lang="en-US" dirty="0"/>
@@ -12644,11 +12484,11 @@
           <a:lstStyle/>
           <a:p>
             <a:r>
-              <a:rPr lang="en-US" dirty="0" smtClean="0"/>
+              <a:rPr lang="en-US" dirty="0"/>
               <a:t>_</a:t>
             </a:r>
             <a:r>
-              <a:rPr lang="en-US" dirty="0" err="1" smtClean="0"/>
+              <a:rPr lang="en-US" dirty="0" err="1"/>
               <a:t>server_callback</a:t>
             </a:r>
             <a:endParaRPr lang="en-US" dirty="0"/>
@@ -12678,11 +12518,11 @@
           <a:lstStyle/>
           <a:p>
             <a:r>
-              <a:rPr lang="en-US" dirty="0" smtClean="0"/>
+              <a:rPr lang="en-US" dirty="0"/>
               <a:t>_</a:t>
             </a:r>
             <a:r>
-              <a:rPr lang="en-US" dirty="0" err="1" smtClean="0"/>
+              <a:rPr lang="en-US" dirty="0" err="1"/>
               <a:t>write_handler</a:t>
             </a:r>
             <a:endParaRPr lang="en-US" dirty="0"/>
@@ -12712,11 +12552,11 @@
           <a:lstStyle/>
           <a:p>
             <a:r>
-              <a:rPr lang="en-US" dirty="0" smtClean="0"/>
+              <a:rPr lang="en-US" dirty="0"/>
               <a:t>_</a:t>
             </a:r>
             <a:r>
-              <a:rPr lang="en-US" dirty="0" err="1" smtClean="0"/>
+              <a:rPr lang="en-US" dirty="0" err="1"/>
               <a:t>read_handler</a:t>
             </a:r>
             <a:endParaRPr lang="en-US" dirty="0"/>
@@ -12746,11 +12586,11 @@
           <a:lstStyle/>
           <a:p>
             <a:r>
-              <a:rPr lang="en-US" dirty="0" smtClean="0"/>
+              <a:rPr lang="en-US" dirty="0"/>
               <a:t>_</a:t>
             </a:r>
             <a:r>
-              <a:rPr lang="en-US" dirty="0" err="1" smtClean="0"/>
+              <a:rPr lang="en-US" dirty="0" err="1"/>
               <a:t>get_value</a:t>
             </a:r>
             <a:endParaRPr lang="en-US" dirty="0"/>
@@ -12780,16 +12620,12 @@
           <a:lstStyle/>
           <a:p>
             <a:r>
-              <a:rPr lang="en-US" dirty="0" smtClean="0"/>
+              <a:rPr lang="en-US" dirty="0"/>
               <a:t>_</a:t>
             </a:r>
             <a:r>
               <a:rPr lang="en-US" dirty="0" err="1"/>
-              <a:t>s</a:t>
-            </a:r>
-            <a:r>
-              <a:rPr lang="en-US" dirty="0" err="1" smtClean="0"/>
-              <a:t>et_value</a:t>
+              <a:t>set_value</a:t>
             </a:r>
             <a:endParaRPr lang="en-US" dirty="0"/>
           </a:p>
@@ -12818,11 +12654,11 @@
           <a:lstStyle/>
           <a:p>
             <a:r>
-              <a:rPr lang="en-US" dirty="0" smtClean="0"/>
+              <a:rPr lang="en-US" dirty="0"/>
               <a:t>_</a:t>
             </a:r>
             <a:r>
-              <a:rPr lang="en-US" dirty="0" err="1" smtClean="0"/>
+              <a:rPr lang="en-US" dirty="0" err="1"/>
               <a:t>connect_callback</a:t>
             </a:r>
             <a:endParaRPr lang="en-US" dirty="0"/>

--- a/labmanual/Drawings/bleintro.pptx
+++ b/labmanual/Drawings/bleintro.pptx
@@ -200,7 +200,7 @@
           <a:p>
             <a:fld id="{5C78E9C7-9CA3-A64A-B46C-6E620848F682}" type="datetimeFigureOut">
               <a:rPr lang="en-US" smtClean="0"/>
-              <a:t>6/4/2018</a:t>
+              <a:t>6/5/2018</a:t>
             </a:fld>
             <a:endParaRPr lang="en-US"/>
           </a:p>
@@ -598,7 +598,7 @@
           <a:p>
             <a:fld id="{FB5F2AB9-D88E-BD44-B295-056A7213B648}" type="datetimeFigureOut">
               <a:rPr lang="en-US" smtClean="0"/>
-              <a:t>6/4/2018</a:t>
+              <a:t>6/5/2018</a:t>
             </a:fld>
             <a:endParaRPr lang="en-US"/>
           </a:p>
@@ -763,7 +763,7 @@
           <a:p>
             <a:fld id="{FB5F2AB9-D88E-BD44-B295-056A7213B648}" type="datetimeFigureOut">
               <a:rPr lang="en-US" smtClean="0"/>
-              <a:t>6/4/2018</a:t>
+              <a:t>6/5/2018</a:t>
             </a:fld>
             <a:endParaRPr lang="en-US"/>
           </a:p>
@@ -938,7 +938,7 @@
           <a:p>
             <a:fld id="{FB5F2AB9-D88E-BD44-B295-056A7213B648}" type="datetimeFigureOut">
               <a:rPr lang="en-US" smtClean="0"/>
-              <a:t>6/4/2018</a:t>
+              <a:t>6/5/2018</a:t>
             </a:fld>
             <a:endParaRPr lang="en-US"/>
           </a:p>
@@ -1103,7 +1103,7 @@
           <a:p>
             <a:fld id="{FB5F2AB9-D88E-BD44-B295-056A7213B648}" type="datetimeFigureOut">
               <a:rPr lang="en-US" smtClean="0"/>
-              <a:t>6/4/2018</a:t>
+              <a:t>6/5/2018</a:t>
             </a:fld>
             <a:endParaRPr lang="en-US"/>
           </a:p>
@@ -1342,7 +1342,7 @@
           <a:p>
             <a:fld id="{FB5F2AB9-D88E-BD44-B295-056A7213B648}" type="datetimeFigureOut">
               <a:rPr lang="en-US" smtClean="0"/>
-              <a:t>6/4/2018</a:t>
+              <a:t>6/5/2018</a:t>
             </a:fld>
             <a:endParaRPr lang="en-US"/>
           </a:p>
@@ -1569,7 +1569,7 @@
           <a:p>
             <a:fld id="{FB5F2AB9-D88E-BD44-B295-056A7213B648}" type="datetimeFigureOut">
               <a:rPr lang="en-US" smtClean="0"/>
-              <a:t>6/4/2018</a:t>
+              <a:t>6/5/2018</a:t>
             </a:fld>
             <a:endParaRPr lang="en-US"/>
           </a:p>
@@ -1931,7 +1931,7 @@
           <a:p>
             <a:fld id="{FB5F2AB9-D88E-BD44-B295-056A7213B648}" type="datetimeFigureOut">
               <a:rPr lang="en-US" smtClean="0"/>
-              <a:t>6/4/2018</a:t>
+              <a:t>6/5/2018</a:t>
             </a:fld>
             <a:endParaRPr lang="en-US"/>
           </a:p>
@@ -2044,7 +2044,7 @@
           <a:p>
             <a:fld id="{FB5F2AB9-D88E-BD44-B295-056A7213B648}" type="datetimeFigureOut">
               <a:rPr lang="en-US" smtClean="0"/>
-              <a:t>6/4/2018</a:t>
+              <a:t>6/5/2018</a:t>
             </a:fld>
             <a:endParaRPr lang="en-US"/>
           </a:p>
@@ -2134,7 +2134,7 @@
           <a:p>
             <a:fld id="{FB5F2AB9-D88E-BD44-B295-056A7213B648}" type="datetimeFigureOut">
               <a:rPr lang="en-US" smtClean="0"/>
-              <a:t>6/4/2018</a:t>
+              <a:t>6/5/2018</a:t>
             </a:fld>
             <a:endParaRPr lang="en-US"/>
           </a:p>
@@ -2406,7 +2406,7 @@
           <a:p>
             <a:fld id="{FB5F2AB9-D88E-BD44-B295-056A7213B648}" type="datetimeFigureOut">
               <a:rPr lang="en-US" smtClean="0"/>
-              <a:t>6/4/2018</a:t>
+              <a:t>6/5/2018</a:t>
             </a:fld>
             <a:endParaRPr lang="en-US"/>
           </a:p>
@@ -2658,7 +2658,7 @@
           <a:p>
             <a:fld id="{FB5F2AB9-D88E-BD44-B295-056A7213B648}" type="datetimeFigureOut">
               <a:rPr lang="en-US" smtClean="0"/>
-              <a:t>6/4/2018</a:t>
+              <a:t>6/5/2018</a:t>
             </a:fld>
             <a:endParaRPr lang="en-US"/>
           </a:p>
@@ -2866,7 +2866,7 @@
           <a:p>
             <a:fld id="{FB5F2AB9-D88E-BD44-B295-056A7213B648}" type="datetimeFigureOut">
               <a:rPr lang="en-US" smtClean="0"/>
-              <a:t>6/4/2018</a:t>
+              <a:t>6/5/2018</a:t>
             </a:fld>
             <a:endParaRPr lang="en-US"/>
           </a:p>
@@ -12299,6 +12299,52 @@
           </a:p>
         </p:txBody>
       </p:sp>
+      <p:sp>
+        <p:nvSpPr>
+          <p:cNvPr id="3" name="Arrow: Left-Right 2">
+            <a:extLst>
+              <a:ext uri="{FF2B5EF4-FFF2-40B4-BE49-F238E27FC236}">
+                <a16:creationId xmlns:a16="http://schemas.microsoft.com/office/drawing/2014/main" id="{009ED4C6-1977-48D3-AD93-9DE4D0021D63}"/>
+              </a:ext>
+            </a:extLst>
+          </p:cNvPr>
+          <p:cNvSpPr/>
+          <p:nvPr/>
+        </p:nvSpPr>
+        <p:spPr>
+          <a:xfrm>
+            <a:off x="3119738" y="4655650"/>
+            <a:ext cx="668438" cy="242146"/>
+          </a:xfrm>
+          <a:prstGeom prst="leftRightArrow">
+            <a:avLst/>
+          </a:prstGeom>
+        </p:spPr>
+        <p:style>
+          <a:lnRef idx="2">
+            <a:schemeClr val="accent1">
+              <a:shade val="50000"/>
+            </a:schemeClr>
+          </a:lnRef>
+          <a:fillRef idx="1">
+            <a:schemeClr val="accent1"/>
+          </a:fillRef>
+          <a:effectRef idx="0">
+            <a:schemeClr val="accent1"/>
+          </a:effectRef>
+          <a:fontRef idx="minor">
+            <a:schemeClr val="lt1"/>
+          </a:fontRef>
+        </p:style>
+        <p:txBody>
+          <a:bodyPr rtlCol="0" anchor="ctr"/>
+          <a:lstStyle/>
+          <a:p>
+            <a:pPr algn="ctr"/>
+            <a:endParaRPr lang="en-US"/>
+          </a:p>
+        </p:txBody>
+      </p:sp>
     </p:spTree>
     <p:extLst>
       <p:ext uri="{BB962C8B-B14F-4D97-AF65-F5344CB8AC3E}">

--- a/labmanual/Drawings/bleintro.pptx
+++ b/labmanual/Drawings/bleintro.pptx
@@ -200,7 +200,7 @@
           <a:p>
             <a:fld id="{5C78E9C7-9CA3-A64A-B46C-6E620848F682}" type="datetimeFigureOut">
               <a:rPr lang="en-US" smtClean="0"/>
-              <a:t>6/18/2018</a:t>
+              <a:t>9/8/2018</a:t>
             </a:fld>
             <a:endParaRPr lang="en-US"/>
           </a:p>
@@ -598,7 +598,7 @@
           <a:p>
             <a:fld id="{FB5F2AB9-D88E-BD44-B295-056A7213B648}" type="datetimeFigureOut">
               <a:rPr lang="en-US" smtClean="0"/>
-              <a:t>6/18/2018</a:t>
+              <a:t>9/8/2018</a:t>
             </a:fld>
             <a:endParaRPr lang="en-US"/>
           </a:p>
@@ -763,7 +763,7 @@
           <a:p>
             <a:fld id="{FB5F2AB9-D88E-BD44-B295-056A7213B648}" type="datetimeFigureOut">
               <a:rPr lang="en-US" smtClean="0"/>
-              <a:t>6/18/2018</a:t>
+              <a:t>9/8/2018</a:t>
             </a:fld>
             <a:endParaRPr lang="en-US"/>
           </a:p>
@@ -938,7 +938,7 @@
           <a:p>
             <a:fld id="{FB5F2AB9-D88E-BD44-B295-056A7213B648}" type="datetimeFigureOut">
               <a:rPr lang="en-US" smtClean="0"/>
-              <a:t>6/18/2018</a:t>
+              <a:t>9/8/2018</a:t>
             </a:fld>
             <a:endParaRPr lang="en-US"/>
           </a:p>
@@ -1103,7 +1103,7 @@
           <a:p>
             <a:fld id="{FB5F2AB9-D88E-BD44-B295-056A7213B648}" type="datetimeFigureOut">
               <a:rPr lang="en-US" smtClean="0"/>
-              <a:t>6/18/2018</a:t>
+              <a:t>9/8/2018</a:t>
             </a:fld>
             <a:endParaRPr lang="en-US"/>
           </a:p>
@@ -1342,7 +1342,7 @@
           <a:p>
             <a:fld id="{FB5F2AB9-D88E-BD44-B295-056A7213B648}" type="datetimeFigureOut">
               <a:rPr lang="en-US" smtClean="0"/>
-              <a:t>6/18/2018</a:t>
+              <a:t>9/8/2018</a:t>
             </a:fld>
             <a:endParaRPr lang="en-US"/>
           </a:p>
@@ -1569,7 +1569,7 @@
           <a:p>
             <a:fld id="{FB5F2AB9-D88E-BD44-B295-056A7213B648}" type="datetimeFigureOut">
               <a:rPr lang="en-US" smtClean="0"/>
-              <a:t>6/18/2018</a:t>
+              <a:t>9/8/2018</a:t>
             </a:fld>
             <a:endParaRPr lang="en-US"/>
           </a:p>
@@ -1931,7 +1931,7 @@
           <a:p>
             <a:fld id="{FB5F2AB9-D88E-BD44-B295-056A7213B648}" type="datetimeFigureOut">
               <a:rPr lang="en-US" smtClean="0"/>
-              <a:t>6/18/2018</a:t>
+              <a:t>9/8/2018</a:t>
             </a:fld>
             <a:endParaRPr lang="en-US"/>
           </a:p>
@@ -2044,7 +2044,7 @@
           <a:p>
             <a:fld id="{FB5F2AB9-D88E-BD44-B295-056A7213B648}" type="datetimeFigureOut">
               <a:rPr lang="en-US" smtClean="0"/>
-              <a:t>6/18/2018</a:t>
+              <a:t>9/8/2018</a:t>
             </a:fld>
             <a:endParaRPr lang="en-US"/>
           </a:p>
@@ -2134,7 +2134,7 @@
           <a:p>
             <a:fld id="{FB5F2AB9-D88E-BD44-B295-056A7213B648}" type="datetimeFigureOut">
               <a:rPr lang="en-US" smtClean="0"/>
-              <a:t>6/18/2018</a:t>
+              <a:t>9/8/2018</a:t>
             </a:fld>
             <a:endParaRPr lang="en-US"/>
           </a:p>
@@ -2406,7 +2406,7 @@
           <a:p>
             <a:fld id="{FB5F2AB9-D88E-BD44-B295-056A7213B648}" type="datetimeFigureOut">
               <a:rPr lang="en-US" smtClean="0"/>
-              <a:t>6/18/2018</a:t>
+              <a:t>9/8/2018</a:t>
             </a:fld>
             <a:endParaRPr lang="en-US"/>
           </a:p>
@@ -2657,7 +2657,7 @@
           <a:p>
             <a:fld id="{FB5F2AB9-D88E-BD44-B295-056A7213B648}" type="datetimeFigureOut">
               <a:rPr lang="en-US" smtClean="0"/>
-              <a:t>6/18/2018</a:t>
+              <a:t>9/8/2018</a:t>
             </a:fld>
             <a:endParaRPr lang="en-US"/>
           </a:p>
@@ -2865,7 +2865,7 @@
           <a:p>
             <a:fld id="{FB5F2AB9-D88E-BD44-B295-056A7213B648}" type="datetimeFigureOut">
               <a:rPr lang="en-US" smtClean="0"/>
-              <a:t>6/18/2018</a:t>
+              <a:t>9/8/2018</a:t>
             </a:fld>
             <a:endParaRPr lang="en-US"/>
           </a:p>
@@ -4138,8 +4138,8 @@
           </p:nvSpPr>
           <p:spPr>
             <a:xfrm>
-              <a:off x="966231" y="1346762"/>
-              <a:ext cx="1797519" cy="369332"/>
+              <a:off x="966231" y="1470587"/>
+              <a:ext cx="1797519" cy="241885"/>
             </a:xfrm>
             <a:prstGeom prst="rect">
               <a:avLst/>
@@ -4155,25 +4155,12 @@
             <a:lstStyle/>
             <a:p>
               <a:r>
-                <a:rPr lang="en-US" sz="800" err="1"/>
-                <a:t>wiced_transport_init</a:t>
+                <a:rPr lang="en-US" sz="800"/>
+                <a:t>wiced</a:t>
               </a:r>
-              <a:endParaRPr lang="en-US" sz="800"/>
-            </a:p>
-            <a:p>
               <a:r>
                 <a:rPr lang="en-US" sz="800" err="1"/>
-                <a:t>wiced_transport_create_buffer_pool</a:t>
-              </a:r>
-              <a:r>
-                <a:rPr lang="en-US" sz="800"/>
-                <a:t> </a:t>
-              </a:r>
-            </a:p>
-            <a:p>
-              <a:r>
-                <a:rPr lang="en-US" sz="800" err="1"/>
-                <a:t>wiced_bt_stack_init</a:t>
+                <a:t>_bt_stack_init</a:t>
               </a:r>
               <a:endParaRPr lang="en-US" sz="800"/>
             </a:p>
@@ -6940,17 +6927,12 @@
               </a:bodyPr>
               <a:lstStyle/>
               <a:p>
-                <a:r>
-                  <a:rPr lang="en-US" sz="800" err="1">
-                    <a:sym typeface="Wingdings"/>
-                  </a:rPr>
-                  <a:t>Adv</a:t>
-                </a:r>
+                <a:pPr algn="ctr"/>
                 <a:r>
                   <a:rPr lang="en-US" sz="800">
                     <a:sym typeface="Wingdings"/>
                   </a:rPr>
-                  <a:t> Packet</a:t>
+                  <a:t>ADV</a:t>
                 </a:r>
               </a:p>
               <a:p>
@@ -7810,8 +7792,8 @@
           </p:nvSpPr>
           <p:spPr>
             <a:xfrm>
-              <a:off x="966231" y="1346762"/>
-              <a:ext cx="1797519" cy="369332"/>
+              <a:off x="958689" y="1460933"/>
+              <a:ext cx="1797519" cy="195688"/>
             </a:xfrm>
             <a:prstGeom prst="rect">
               <a:avLst/>
@@ -7827,25 +7809,12 @@
             <a:lstStyle/>
             <a:p>
               <a:r>
-                <a:rPr lang="en-US" sz="800" err="1"/>
-                <a:t>wiced_transport_init</a:t>
+                <a:rPr lang="en-US" sz="800"/>
+                <a:t>wiced</a:t>
               </a:r>
-              <a:endParaRPr lang="en-US" sz="800"/>
-            </a:p>
-            <a:p>
               <a:r>
                 <a:rPr lang="en-US" sz="800" err="1"/>
-                <a:t>wiced_transport_create_buffer_pool</a:t>
-              </a:r>
-              <a:r>
-                <a:rPr lang="en-US" sz="800"/>
-                <a:t> </a:t>
-              </a:r>
-            </a:p>
-            <a:p>
-              <a:r>
-                <a:rPr lang="en-US" sz="800" err="1"/>
-                <a:t>wiced_bt_stack_init</a:t>
+                <a:t>_bt_stack_init</a:t>
               </a:r>
               <a:endParaRPr lang="en-US" sz="800"/>
             </a:p>
@@ -9388,6 +9357,7 @@
           <p:nvCxnSpPr>
             <p:cNvPr id="107" name="Straight Arrow Connector 106"/>
             <p:cNvCxnSpPr>
+              <a:cxnSpLocks/>
               <a:endCxn id="75" idx="0"/>
             </p:cNvCxnSpPr>
             <p:nvPr/>
@@ -9791,17 +9761,12 @@
               </a:bodyPr>
               <a:lstStyle/>
               <a:p>
-                <a:r>
-                  <a:rPr lang="en-US" sz="800" err="1">
-                    <a:sym typeface="Wingdings"/>
-                  </a:rPr>
-                  <a:t>Adv</a:t>
-                </a:r>
+                <a:pPr algn="ctr"/>
                 <a:r>
                   <a:rPr lang="en-US" sz="800">
                     <a:sym typeface="Wingdings"/>
                   </a:rPr>
-                  <a:t> Packet</a:t>
+                  <a:t>ADV</a:t>
                 </a:r>
               </a:p>
               <a:p>
@@ -10419,10 +10384,10 @@
           </p:nvGrpSpPr>
           <p:grpSpPr>
             <a:xfrm>
-              <a:off x="2412627" y="4009565"/>
-              <a:ext cx="3239371" cy="183226"/>
-              <a:chOff x="2412627" y="4790401"/>
-              <a:chExt cx="3239371" cy="183226"/>
+              <a:off x="2412627" y="4021463"/>
+              <a:ext cx="3239371" cy="209428"/>
+              <a:chOff x="2412627" y="4802299"/>
+              <a:chExt cx="3239371" cy="209428"/>
             </a:xfrm>
           </p:grpSpPr>
           <p:sp>
@@ -10433,8 +10398,8 @@
             </p:nvSpPr>
             <p:spPr>
               <a:xfrm>
-                <a:off x="3086592" y="4790401"/>
-                <a:ext cx="807659" cy="183226"/>
+                <a:off x="3086592" y="4802299"/>
+                <a:ext cx="751061" cy="209428"/>
               </a:xfrm>
               <a:prstGeom prst="rect">
                 <a:avLst/>
@@ -10449,9 +10414,10 @@
               </a:bodyPr>
               <a:lstStyle/>
               <a:p>
+                <a:pPr algn="ctr"/>
                 <a:r>
                   <a:rPr lang="en-US" sz="800"/>
-                  <a:t>CONNECT_REQ</a:t>
+                  <a:t>CONN_REQ</a:t>
                 </a:r>
               </a:p>
             </p:txBody>
@@ -10507,120 +10473,6 @@
               <a:ln>
                 <a:headEnd type="triangle" w="sm" len="sm"/>
                 <a:tailEnd type="none" w="sm" len="sm"/>
-              </a:ln>
-            </p:spPr>
-            <p:style>
-              <a:lnRef idx="1">
-                <a:schemeClr val="accent1"/>
-              </a:lnRef>
-              <a:fillRef idx="0">
-                <a:schemeClr val="accent1"/>
-              </a:fillRef>
-              <a:effectRef idx="0">
-                <a:schemeClr val="accent1"/>
-              </a:effectRef>
-              <a:fontRef idx="minor">
-                <a:schemeClr val="tx1"/>
-              </a:fontRef>
-            </p:style>
-          </p:cxnSp>
-        </p:grpSp>
-        <p:grpSp>
-          <p:nvGrpSpPr>
-            <p:cNvPr id="140" name="Group 139"/>
-            <p:cNvGrpSpPr/>
-            <p:nvPr/>
-          </p:nvGrpSpPr>
-          <p:grpSpPr>
-            <a:xfrm>
-              <a:off x="2410917" y="4161965"/>
-              <a:ext cx="2044149" cy="183226"/>
-              <a:chOff x="2412627" y="4790401"/>
-              <a:chExt cx="2044149" cy="183226"/>
-            </a:xfrm>
-          </p:grpSpPr>
-          <p:sp>
-            <p:nvSpPr>
-              <p:cNvPr id="141" name="TextBox 140"/>
-              <p:cNvSpPr txBox="1"/>
-              <p:nvPr/>
-            </p:nvSpPr>
-            <p:spPr>
-              <a:xfrm>
-                <a:off x="3086592" y="4790401"/>
-                <a:ext cx="807659" cy="183226"/>
-              </a:xfrm>
-              <a:prstGeom prst="rect">
-                <a:avLst/>
-              </a:prstGeom>
-              <a:solidFill>
-                <a:schemeClr val="bg1"/>
-              </a:solidFill>
-            </p:spPr>
-            <p:txBody>
-              <a:bodyPr wrap="square" lIns="45720" tIns="0" rIns="45720" bIns="0" rtlCol="0">
-                <a:noAutofit/>
-              </a:bodyPr>
-              <a:lstStyle/>
-              <a:p>
-                <a:r>
-                  <a:rPr lang="en-US" sz="800"/>
-                  <a:t>CONNECT_RSP</a:t>
-                </a:r>
-              </a:p>
-            </p:txBody>
-          </p:sp>
-          <p:cxnSp>
-            <p:nvCxnSpPr>
-              <p:cNvPr id="142" name="Straight Arrow Connector 141"/>
-              <p:cNvCxnSpPr/>
-              <p:nvPr/>
-            </p:nvCxnSpPr>
-            <p:spPr>
-              <a:xfrm flipV="1">
-                <a:off x="3822156" y="4854668"/>
-                <a:ext cx="634620" cy="1"/>
-              </a:xfrm>
-              <a:prstGeom prst="straightConnector1">
-                <a:avLst/>
-              </a:prstGeom>
-              <a:ln>
-                <a:headEnd type="none" w="sm" len="sm"/>
-                <a:tailEnd type="triangle" w="sm" len="sm"/>
-              </a:ln>
-            </p:spPr>
-            <p:style>
-              <a:lnRef idx="1">
-                <a:schemeClr val="accent1"/>
-              </a:lnRef>
-              <a:fillRef idx="0">
-                <a:schemeClr val="accent1"/>
-              </a:fillRef>
-              <a:effectRef idx="0">
-                <a:schemeClr val="accent1"/>
-              </a:effectRef>
-              <a:fontRef idx="minor">
-                <a:schemeClr val="tx1"/>
-              </a:fontRef>
-            </p:style>
-          </p:cxnSp>
-          <p:cxnSp>
-            <p:nvCxnSpPr>
-              <p:cNvPr id="143" name="Straight Arrow Connector 142"/>
-              <p:cNvCxnSpPr/>
-              <p:nvPr/>
-            </p:nvCxnSpPr>
-            <p:spPr>
-              <a:xfrm flipV="1">
-                <a:off x="2412627" y="4851312"/>
-                <a:ext cx="634620" cy="1"/>
-              </a:xfrm>
-              <a:prstGeom prst="straightConnector1">
-                <a:avLst/>
-              </a:prstGeom>
-              <a:ln>
-                <a:headEnd type="none" w="sm" len="sm"/>
-                <a:tailEnd type="triangle" w="sm" len="sm"/>
               </a:ln>
             </p:spPr>
             <p:style>
@@ -10705,6 +10557,7 @@
           <p:nvCxnSpPr>
             <p:cNvPr id="147" name="Straight Arrow Connector 146"/>
             <p:cNvCxnSpPr>
+              <a:cxnSpLocks/>
               <a:stCxn id="75" idx="2"/>
             </p:cNvCxnSpPr>
             <p:nvPr/>
@@ -10856,6 +10709,7 @@
           <p:nvCxnSpPr>
             <p:cNvPr id="187" name="Straight Arrow Connector 186"/>
             <p:cNvCxnSpPr>
+              <a:cxnSpLocks/>
               <a:stCxn id="113" idx="2"/>
               <a:endCxn id="29" idx="0"/>
             </p:cNvCxnSpPr>
@@ -11131,6 +10985,7 @@
           <p:nvCxnSpPr>
             <p:cNvPr id="188" name="Straight Arrow Connector 187"/>
             <p:cNvCxnSpPr>
+              <a:cxnSpLocks/>
               <a:stCxn id="116" idx="2"/>
               <a:endCxn id="29" idx="0"/>
             </p:cNvCxnSpPr>
@@ -11621,6 +11476,7 @@
           <p:nvCxnSpPr>
             <p:cNvPr id="192" name="Straight Arrow Connector 191"/>
             <p:cNvCxnSpPr>
+              <a:cxnSpLocks/>
               <a:stCxn id="173" idx="3"/>
               <a:endCxn id="189" idx="1"/>
             </p:cNvCxnSpPr>

--- a/labmanual/Drawings/bleintro.pptx
+++ b/labmanual/Drawings/bleintro.pptx
@@ -200,7 +200,7 @@
           <a:p>
             <a:fld id="{5C78E9C7-9CA3-A64A-B46C-6E620848F682}" type="datetimeFigureOut">
               <a:rPr lang="en-US" smtClean="0"/>
-              <a:t>9/8/2018</a:t>
+              <a:t>5/8/2019</a:t>
             </a:fld>
             <a:endParaRPr lang="en-US"/>
           </a:p>
@@ -598,7 +598,7 @@
           <a:p>
             <a:fld id="{FB5F2AB9-D88E-BD44-B295-056A7213B648}" type="datetimeFigureOut">
               <a:rPr lang="en-US" smtClean="0"/>
-              <a:t>9/8/2018</a:t>
+              <a:t>5/8/2019</a:t>
             </a:fld>
             <a:endParaRPr lang="en-US"/>
           </a:p>
@@ -763,7 +763,7 @@
           <a:p>
             <a:fld id="{FB5F2AB9-D88E-BD44-B295-056A7213B648}" type="datetimeFigureOut">
               <a:rPr lang="en-US" smtClean="0"/>
-              <a:t>9/8/2018</a:t>
+              <a:t>5/8/2019</a:t>
             </a:fld>
             <a:endParaRPr lang="en-US"/>
           </a:p>
@@ -938,7 +938,7 @@
           <a:p>
             <a:fld id="{FB5F2AB9-D88E-BD44-B295-056A7213B648}" type="datetimeFigureOut">
               <a:rPr lang="en-US" smtClean="0"/>
-              <a:t>9/8/2018</a:t>
+              <a:t>5/8/2019</a:t>
             </a:fld>
             <a:endParaRPr lang="en-US"/>
           </a:p>
@@ -1103,7 +1103,7 @@
           <a:p>
             <a:fld id="{FB5F2AB9-D88E-BD44-B295-056A7213B648}" type="datetimeFigureOut">
               <a:rPr lang="en-US" smtClean="0"/>
-              <a:t>9/8/2018</a:t>
+              <a:t>5/8/2019</a:t>
             </a:fld>
             <a:endParaRPr lang="en-US"/>
           </a:p>
@@ -1342,7 +1342,7 @@
           <a:p>
             <a:fld id="{FB5F2AB9-D88E-BD44-B295-056A7213B648}" type="datetimeFigureOut">
               <a:rPr lang="en-US" smtClean="0"/>
-              <a:t>9/8/2018</a:t>
+              <a:t>5/8/2019</a:t>
             </a:fld>
             <a:endParaRPr lang="en-US"/>
           </a:p>
@@ -1569,7 +1569,7 @@
           <a:p>
             <a:fld id="{FB5F2AB9-D88E-BD44-B295-056A7213B648}" type="datetimeFigureOut">
               <a:rPr lang="en-US" smtClean="0"/>
-              <a:t>9/8/2018</a:t>
+              <a:t>5/8/2019</a:t>
             </a:fld>
             <a:endParaRPr lang="en-US"/>
           </a:p>
@@ -1931,7 +1931,7 @@
           <a:p>
             <a:fld id="{FB5F2AB9-D88E-BD44-B295-056A7213B648}" type="datetimeFigureOut">
               <a:rPr lang="en-US" smtClean="0"/>
-              <a:t>9/8/2018</a:t>
+              <a:t>5/8/2019</a:t>
             </a:fld>
             <a:endParaRPr lang="en-US"/>
           </a:p>
@@ -2044,7 +2044,7 @@
           <a:p>
             <a:fld id="{FB5F2AB9-D88E-BD44-B295-056A7213B648}" type="datetimeFigureOut">
               <a:rPr lang="en-US" smtClean="0"/>
-              <a:t>9/8/2018</a:t>
+              <a:t>5/8/2019</a:t>
             </a:fld>
             <a:endParaRPr lang="en-US"/>
           </a:p>
@@ -2134,7 +2134,7 @@
           <a:p>
             <a:fld id="{FB5F2AB9-D88E-BD44-B295-056A7213B648}" type="datetimeFigureOut">
               <a:rPr lang="en-US" smtClean="0"/>
-              <a:t>9/8/2018</a:t>
+              <a:t>5/8/2019</a:t>
             </a:fld>
             <a:endParaRPr lang="en-US"/>
           </a:p>
@@ -2406,7 +2406,7 @@
           <a:p>
             <a:fld id="{FB5F2AB9-D88E-BD44-B295-056A7213B648}" type="datetimeFigureOut">
               <a:rPr lang="en-US" smtClean="0"/>
-              <a:t>9/8/2018</a:t>
+              <a:t>5/8/2019</a:t>
             </a:fld>
             <a:endParaRPr lang="en-US"/>
           </a:p>
@@ -2657,7 +2657,7 @@
           <a:p>
             <a:fld id="{FB5F2AB9-D88E-BD44-B295-056A7213B648}" type="datetimeFigureOut">
               <a:rPr lang="en-US" smtClean="0"/>
-              <a:t>9/8/2018</a:t>
+              <a:t>5/8/2019</a:t>
             </a:fld>
             <a:endParaRPr lang="en-US"/>
           </a:p>
@@ -2865,7 +2865,7 @@
           <a:p>
             <a:fld id="{FB5F2AB9-D88E-BD44-B295-056A7213B648}" type="datetimeFigureOut">
               <a:rPr lang="en-US" smtClean="0"/>
-              <a:t>9/8/2018</a:t>
+              <a:t>5/8/2019</a:t>
             </a:fld>
             <a:endParaRPr lang="en-US"/>
           </a:p>
@@ -6992,7 +6992,7 @@
         </p:nvGrpSpPr>
         <p:grpSpPr>
           <a:xfrm>
-            <a:off x="45275" y="152774"/>
+            <a:off x="69487" y="152774"/>
             <a:ext cx="6835630" cy="8778606"/>
             <a:chOff x="45275" y="152774"/>
             <a:chExt cx="6835630" cy="8778606"/>
@@ -10871,12 +10871,14 @@
         <p:cxnSp>
           <p:nvCxnSpPr>
             <p:cNvPr id="169" name="Straight Arrow Connector 168"/>
-            <p:cNvCxnSpPr/>
+            <p:cNvCxnSpPr>
+              <a:cxnSpLocks/>
+            </p:cNvCxnSpPr>
             <p:nvPr/>
           </p:nvCxnSpPr>
           <p:spPr>
             <a:xfrm>
-              <a:off x="3017376" y="6475417"/>
+              <a:off x="2893538" y="6475417"/>
               <a:ext cx="375555" cy="1"/>
             </a:xfrm>
             <a:prstGeom prst="straightConnector1">
@@ -11251,8 +11253,8 @@
           </p:nvSpPr>
           <p:spPr>
             <a:xfrm>
-              <a:off x="3395208" y="6871707"/>
-              <a:ext cx="807659" cy="183226"/>
+              <a:off x="3257081" y="6806235"/>
+              <a:ext cx="1058175" cy="196305"/>
             </a:xfrm>
             <a:prstGeom prst="rect">
               <a:avLst/>
@@ -11268,8 +11270,14 @@
             <a:lstStyle/>
             <a:p>
               <a:r>
-                <a:rPr lang="en-US" sz="800"/>
-                <a:t>WRITE_REQ</a:t>
+                <a:rPr lang="en-US" sz="800" dirty="0"/>
+                <a:t>WRITE_CMD (no resp)</a:t>
+              </a:r>
+            </a:p>
+            <a:p>
+              <a:r>
+                <a:rPr lang="en-US" sz="800" dirty="0"/>
+                <a:t>WRITE_REQ (resp)</a:t>
               </a:r>
             </a:p>
           </p:txBody>
@@ -11311,12 +11319,14 @@
         <p:cxnSp>
           <p:nvCxnSpPr>
             <p:cNvPr id="185" name="Straight Arrow Connector 184"/>
-            <p:cNvCxnSpPr/>
+            <p:cNvCxnSpPr>
+              <a:cxnSpLocks/>
+            </p:cNvCxnSpPr>
             <p:nvPr/>
           </p:nvCxnSpPr>
           <p:spPr>
             <a:xfrm>
-              <a:off x="3021096" y="6932618"/>
+              <a:off x="2863917" y="6932618"/>
               <a:ext cx="375555" cy="1"/>
             </a:xfrm>
             <a:prstGeom prst="straightConnector1">
